--- a/Perceptron/Perceptron.pptx
+++ b/Perceptron/Perceptron.pptx
@@ -111,6 +111,11 @@
       </a:defRPr>
     </a:lvl9pPr>
   </p:defaultTextStyle>
+  <p:extLst>
+    <p:ext uri="{EFAFB233-063F-42B5-8137-9DF3F51BA10A}">
+      <p15:sldGuideLst xmlns:p15="http://schemas.microsoft.com/office/powerpoint/2012/main"/>
+    </p:ext>
+  </p:extLst>
 </p:presentation>
 </file>
 
@@ -4410,8 +4415,8 @@
           <a:chExt cx="0" cy="0"/>
         </a:xfrm>
       </p:grpSpPr>
-      <mc:AlternateContent xmlns:mc="http://schemas.openxmlformats.org/markup-compatibility/2006">
-        <mc:Choice xmlns:a14="http://schemas.microsoft.com/office/drawing/2010/main" Requires="a14">
+      <mc:AlternateContent xmlns:mc="http://schemas.openxmlformats.org/markup-compatibility/2006" xmlns:a14="http://schemas.microsoft.com/office/drawing/2010/main">
+        <mc:Choice Requires="a14">
           <p:sp>
             <p:nvSpPr>
               <p:cNvPr id="5" name="Elipse 4"/>
@@ -4487,7 +4492,7 @@
             </p:txBody>
           </p:sp>
         </mc:Choice>
-        <mc:Fallback>
+        <mc:Fallback xmlns="">
           <p:sp>
             <p:nvSpPr>
               <p:cNvPr id="5" name="Elipse 4"/>
@@ -4526,8 +4531,8 @@
           </p:sp>
         </mc:Fallback>
       </mc:AlternateContent>
-      <mc:AlternateContent xmlns:mc="http://schemas.openxmlformats.org/markup-compatibility/2006">
-        <mc:Choice xmlns:a14="http://schemas.microsoft.com/office/drawing/2010/main" Requires="a14">
+      <mc:AlternateContent xmlns:mc="http://schemas.openxmlformats.org/markup-compatibility/2006" xmlns:a14="http://schemas.microsoft.com/office/drawing/2010/main">
+        <mc:Choice Requires="a14">
           <p:sp>
             <p:nvSpPr>
               <p:cNvPr id="6" name="Elipse 5"/>
@@ -4603,7 +4608,7 @@
             </p:txBody>
           </p:sp>
         </mc:Choice>
-        <mc:Fallback>
+        <mc:Fallback xmlns="">
           <p:sp>
             <p:nvSpPr>
               <p:cNvPr id="6" name="Elipse 5"/>
@@ -4642,8 +4647,8 @@
           </p:sp>
         </mc:Fallback>
       </mc:AlternateContent>
-      <mc:AlternateContent xmlns:mc="http://schemas.openxmlformats.org/markup-compatibility/2006">
-        <mc:Choice xmlns:a14="http://schemas.microsoft.com/office/drawing/2010/main" Requires="a14">
+      <mc:AlternateContent xmlns:mc="http://schemas.openxmlformats.org/markup-compatibility/2006" xmlns:a14="http://schemas.microsoft.com/office/drawing/2010/main">
+        <mc:Choice Requires="a14">
           <p:sp>
             <p:nvSpPr>
               <p:cNvPr id="7" name="Elipse 6"/>
@@ -4719,7 +4724,7 @@
             </p:txBody>
           </p:sp>
         </mc:Choice>
-        <mc:Fallback>
+        <mc:Fallback xmlns="">
           <p:sp>
             <p:nvSpPr>
               <p:cNvPr id="7" name="Elipse 6"/>
@@ -4924,8 +4929,8 @@
           </a:fontRef>
         </p:style>
       </p:cxnSp>
-      <mc:AlternateContent xmlns:mc="http://schemas.openxmlformats.org/markup-compatibility/2006">
-        <mc:Choice xmlns:a14="http://schemas.microsoft.com/office/drawing/2010/main" Requires="a14">
+      <mc:AlternateContent xmlns:mc="http://schemas.openxmlformats.org/markup-compatibility/2006" xmlns:a14="http://schemas.microsoft.com/office/drawing/2010/main">
+        <mc:Choice Requires="a14">
           <p:sp>
             <p:nvSpPr>
               <p:cNvPr id="16" name="CaixaDeTexto 15"/>
@@ -4948,6 +4953,7 @@
               </a:bodyPr>
               <a:lstStyle/>
               <a:p>
+                <a:pPr/>
                 <a14:m>
                   <m:oMathPara xmlns:m="http://schemas.openxmlformats.org/officeDocument/2006/math">
                     <m:oMathParaPr>
@@ -4987,7 +4993,7 @@
             </p:txBody>
           </p:sp>
         </mc:Choice>
-        <mc:Fallback>
+        <mc:Fallback xmlns="">
           <p:sp>
             <p:nvSpPr>
               <p:cNvPr id="16" name="CaixaDeTexto 15"/>
@@ -5026,8 +5032,8 @@
           </p:sp>
         </mc:Fallback>
       </mc:AlternateContent>
-      <mc:AlternateContent xmlns:mc="http://schemas.openxmlformats.org/markup-compatibility/2006">
-        <mc:Choice xmlns:a14="http://schemas.microsoft.com/office/drawing/2010/main" Requires="a14">
+      <mc:AlternateContent xmlns:mc="http://schemas.openxmlformats.org/markup-compatibility/2006" xmlns:a14="http://schemas.microsoft.com/office/drawing/2010/main">
+        <mc:Choice Requires="a14">
           <p:sp>
             <p:nvSpPr>
               <p:cNvPr id="17" name="CaixaDeTexto 16"/>
@@ -5050,6 +5056,7 @@
               </a:bodyPr>
               <a:lstStyle/>
               <a:p>
+                <a:pPr/>
                 <a14:m>
                   <m:oMathPara xmlns:m="http://schemas.openxmlformats.org/officeDocument/2006/math">
                     <m:oMathParaPr>
@@ -5089,7 +5096,7 @@
             </p:txBody>
           </p:sp>
         </mc:Choice>
-        <mc:Fallback>
+        <mc:Fallback xmlns="">
           <p:sp>
             <p:nvSpPr>
               <p:cNvPr id="17" name="CaixaDeTexto 16"/>
@@ -5128,8 +5135,8 @@
           </p:sp>
         </mc:Fallback>
       </mc:AlternateContent>
-      <mc:AlternateContent xmlns:mc="http://schemas.openxmlformats.org/markup-compatibility/2006">
-        <mc:Choice xmlns:a14="http://schemas.microsoft.com/office/drawing/2010/main" Requires="a14">
+      <mc:AlternateContent xmlns:mc="http://schemas.openxmlformats.org/markup-compatibility/2006" xmlns:a14="http://schemas.microsoft.com/office/drawing/2010/main">
+        <mc:Choice Requires="a14">
           <p:sp>
             <p:nvSpPr>
               <p:cNvPr id="18" name="CaixaDeTexto 17"/>
@@ -5152,6 +5159,7 @@
               </a:bodyPr>
               <a:lstStyle/>
               <a:p>
+                <a:pPr/>
                 <a14:m>
                   <m:oMathPara xmlns:m="http://schemas.openxmlformats.org/officeDocument/2006/math">
                     <m:oMathParaPr>
@@ -5191,7 +5199,7 @@
             </p:txBody>
           </p:sp>
         </mc:Choice>
-        <mc:Fallback>
+        <mc:Fallback xmlns="">
           <p:sp>
             <p:nvSpPr>
               <p:cNvPr id="18" name="CaixaDeTexto 17"/>
@@ -5388,8 +5396,8 @@
           </a:p>
         </p:txBody>
       </p:sp>
-      <mc:AlternateContent xmlns:mc="http://schemas.openxmlformats.org/markup-compatibility/2006">
-        <mc:Choice xmlns:a14="http://schemas.microsoft.com/office/drawing/2010/main" Requires="a14">
+      <mc:AlternateContent xmlns:mc="http://schemas.openxmlformats.org/markup-compatibility/2006" xmlns:a14="http://schemas.microsoft.com/office/drawing/2010/main">
+        <mc:Choice Requires="a14">
           <p:sp>
             <p:nvSpPr>
               <p:cNvPr id="26" name="CaixaDeTexto 25"/>
@@ -5648,7 +5656,7 @@
             </p:txBody>
           </p:sp>
         </mc:Choice>
-        <mc:Fallback>
+        <mc:Fallback xmlns="">
           <p:sp>
             <p:nvSpPr>
               <p:cNvPr id="26" name="CaixaDeTexto 25"/>
@@ -5687,8 +5695,8 @@
           </p:sp>
         </mc:Fallback>
       </mc:AlternateContent>
-      <mc:AlternateContent xmlns:mc="http://schemas.openxmlformats.org/markup-compatibility/2006">
-        <mc:Choice xmlns:a14="http://schemas.microsoft.com/office/drawing/2010/main" Requires="a14">
+      <mc:AlternateContent xmlns:mc="http://schemas.openxmlformats.org/markup-compatibility/2006" xmlns:a14="http://schemas.microsoft.com/office/drawing/2010/main">
+        <mc:Choice Requires="a14">
           <p:sp>
             <p:nvSpPr>
               <p:cNvPr id="27" name="CaixaDeTexto 26"/>
@@ -5711,6 +5719,7 @@
               </a:bodyPr>
               <a:lstStyle/>
               <a:p>
+                <a:pPr/>
                 <a14:m>
                   <m:oMathPara xmlns:m="http://schemas.openxmlformats.org/officeDocument/2006/math">
                     <m:oMathParaPr>
@@ -5837,7 +5846,7 @@
             </p:txBody>
           </p:sp>
         </mc:Choice>
-        <mc:Fallback>
+        <mc:Fallback xmlns="">
           <p:sp>
             <p:nvSpPr>
               <p:cNvPr id="27" name="CaixaDeTexto 26"/>
@@ -6290,8 +6299,8 @@
           </a:fontRef>
         </p:style>
       </p:cxnSp>
-      <mc:AlternateContent xmlns:mc="http://schemas.openxmlformats.org/markup-compatibility/2006">
-        <mc:Choice xmlns:a14="http://schemas.microsoft.com/office/drawing/2010/main" Requires="a14">
+      <mc:AlternateContent xmlns:mc="http://schemas.openxmlformats.org/markup-compatibility/2006" xmlns:a14="http://schemas.microsoft.com/office/drawing/2010/main">
+        <mc:Choice Requires="a14">
           <p:sp>
             <p:nvSpPr>
               <p:cNvPr id="16" name="CaixaDeTexto 15"/>
@@ -6314,6 +6323,7 @@
               </a:bodyPr>
               <a:lstStyle/>
               <a:p>
+                <a:pPr/>
                 <a14:m>
                   <m:oMathPara xmlns:m="http://schemas.openxmlformats.org/officeDocument/2006/math">
                     <m:oMathParaPr>
@@ -6334,7 +6344,7 @@
             </p:txBody>
           </p:sp>
         </mc:Choice>
-        <mc:Fallback>
+        <mc:Fallback xmlns="">
           <p:sp>
             <p:nvSpPr>
               <p:cNvPr id="16" name="CaixaDeTexto 15"/>
@@ -6373,8 +6383,8 @@
           </p:sp>
         </mc:Fallback>
       </mc:AlternateContent>
-      <mc:AlternateContent xmlns:mc="http://schemas.openxmlformats.org/markup-compatibility/2006">
-        <mc:Choice xmlns:a14="http://schemas.microsoft.com/office/drawing/2010/main" Requires="a14">
+      <mc:AlternateContent xmlns:mc="http://schemas.openxmlformats.org/markup-compatibility/2006" xmlns:a14="http://schemas.microsoft.com/office/drawing/2010/main">
+        <mc:Choice Requires="a14">
           <p:sp>
             <p:nvSpPr>
               <p:cNvPr id="17" name="CaixaDeTexto 16"/>
@@ -6397,6 +6407,7 @@
               </a:bodyPr>
               <a:lstStyle/>
               <a:p>
+                <a:pPr/>
                 <a14:m>
                   <m:oMathPara xmlns:m="http://schemas.openxmlformats.org/officeDocument/2006/math">
                     <m:oMathParaPr>
@@ -6417,7 +6428,7 @@
             </p:txBody>
           </p:sp>
         </mc:Choice>
-        <mc:Fallback>
+        <mc:Fallback xmlns="">
           <p:sp>
             <p:nvSpPr>
               <p:cNvPr id="17" name="CaixaDeTexto 16"/>
@@ -6456,8 +6467,8 @@
           </p:sp>
         </mc:Fallback>
       </mc:AlternateContent>
-      <mc:AlternateContent xmlns:mc="http://schemas.openxmlformats.org/markup-compatibility/2006">
-        <mc:Choice xmlns:a14="http://schemas.microsoft.com/office/drawing/2010/main" Requires="a14">
+      <mc:AlternateContent xmlns:mc="http://schemas.openxmlformats.org/markup-compatibility/2006" xmlns:a14="http://schemas.microsoft.com/office/drawing/2010/main">
+        <mc:Choice Requires="a14">
           <p:sp>
             <p:nvSpPr>
               <p:cNvPr id="18" name="CaixaDeTexto 17"/>
@@ -6480,6 +6491,7 @@
               </a:bodyPr>
               <a:lstStyle/>
               <a:p>
+                <a:pPr/>
                 <a14:m>
                   <m:oMathPara xmlns:m="http://schemas.openxmlformats.org/officeDocument/2006/math">
                     <m:oMathParaPr>
@@ -6500,7 +6512,7 @@
             </p:txBody>
           </p:sp>
         </mc:Choice>
-        <mc:Fallback>
+        <mc:Fallback xmlns="">
           <p:sp>
             <p:nvSpPr>
               <p:cNvPr id="18" name="CaixaDeTexto 17"/>
@@ -6779,8 +6791,8 @@
           </a:p>
         </p:txBody>
       </p:sp>
-      <mc:AlternateContent xmlns:mc="http://schemas.openxmlformats.org/markup-compatibility/2006">
-        <mc:Choice xmlns:a14="http://schemas.microsoft.com/office/drawing/2010/main" Requires="a14">
+      <mc:AlternateContent xmlns:mc="http://schemas.openxmlformats.org/markup-compatibility/2006" xmlns:a14="http://schemas.microsoft.com/office/drawing/2010/main">
+        <mc:Choice Requires="a14">
           <p:sp>
             <p:nvSpPr>
               <p:cNvPr id="9" name="CaixaDeTexto 8"/>
@@ -6803,6 +6815,7 @@
               </a:bodyPr>
               <a:lstStyle/>
               <a:p>
+                <a:pPr/>
                 <a14:m>
                   <m:oMathPara xmlns:m="http://schemas.openxmlformats.org/officeDocument/2006/math">
                     <m:oMathParaPr>
@@ -6885,6 +6898,7 @@
                 </a:endParaRPr>
               </a:p>
               <a:p>
+                <a:pPr/>
                 <a14:m>
                   <m:oMathPara xmlns:m="http://schemas.openxmlformats.org/officeDocument/2006/math">
                     <m:oMathParaPr>
@@ -6909,6 +6923,7 @@
                 <a:endParaRPr lang="pt-BR" b="0" dirty="0" smtClean="0"/>
               </a:p>
               <a:p>
+                <a:pPr/>
                 <a14:m>
                   <m:oMathPara xmlns:m="http://schemas.openxmlformats.org/officeDocument/2006/math">
                     <m:oMathParaPr>
@@ -6927,6 +6942,7 @@
                 <a:endParaRPr lang="pt-BR" b="0" dirty="0" smtClean="0"/>
               </a:p>
               <a:p>
+                <a:pPr/>
                 <a14:m>
                   <m:oMathPara xmlns:m="http://schemas.openxmlformats.org/officeDocument/2006/math">
                     <m:oMathParaPr>
@@ -6947,7 +6963,7 @@
             </p:txBody>
           </p:sp>
         </mc:Choice>
-        <mc:Fallback>
+        <mc:Fallback xmlns="">
           <p:sp>
             <p:nvSpPr>
               <p:cNvPr id="9" name="CaixaDeTexto 8"/>
@@ -6986,8 +7002,8 @@
           </p:sp>
         </mc:Fallback>
       </mc:AlternateContent>
-      <mc:AlternateContent xmlns:mc="http://schemas.openxmlformats.org/markup-compatibility/2006">
-        <mc:Choice xmlns:a14="http://schemas.microsoft.com/office/drawing/2010/main" Requires="a14">
+      <mc:AlternateContent xmlns:mc="http://schemas.openxmlformats.org/markup-compatibility/2006" xmlns:a14="http://schemas.microsoft.com/office/drawing/2010/main">
+        <mc:Choice Requires="a14">
           <p:sp>
             <p:nvSpPr>
               <p:cNvPr id="11" name="CaixaDeTexto 10"/>
@@ -7010,6 +7026,7 @@
               </a:bodyPr>
               <a:lstStyle/>
               <a:p>
+                <a:pPr/>
                 <a14:m>
                   <m:oMathPara xmlns:m="http://schemas.openxmlformats.org/officeDocument/2006/math">
                     <m:oMathParaPr>
@@ -7099,7 +7116,7 @@
             </p:txBody>
           </p:sp>
         </mc:Choice>
-        <mc:Fallback>
+        <mc:Fallback xmlns="">
           <p:sp>
             <p:nvSpPr>
               <p:cNvPr id="11" name="CaixaDeTexto 10"/>
@@ -7138,8 +7155,8 @@
           </p:sp>
         </mc:Fallback>
       </mc:AlternateContent>
-      <mc:AlternateContent xmlns:mc="http://schemas.openxmlformats.org/markup-compatibility/2006">
-        <mc:Choice xmlns:a14="http://schemas.microsoft.com/office/drawing/2010/main" Requires="a14">
+      <mc:AlternateContent xmlns:mc="http://schemas.openxmlformats.org/markup-compatibility/2006" xmlns:a14="http://schemas.microsoft.com/office/drawing/2010/main">
+        <mc:Choice Requires="a14">
           <p:sp>
             <p:nvSpPr>
               <p:cNvPr id="13" name="CaixaDeTexto 12"/>
@@ -7162,6 +7179,7 @@
               </a:bodyPr>
               <a:lstStyle/>
               <a:p>
+                <a:pPr/>
                 <a14:m>
                   <m:oMathPara xmlns:m="http://schemas.openxmlformats.org/officeDocument/2006/math">
                     <m:oMathParaPr>
@@ -7235,7 +7253,7 @@
             </p:txBody>
           </p:sp>
         </mc:Choice>
-        <mc:Fallback>
+        <mc:Fallback xmlns="">
           <p:sp>
             <p:nvSpPr>
               <p:cNvPr id="13" name="CaixaDeTexto 12"/>
@@ -7562,8 +7580,8 @@
           </a:p>
         </p:txBody>
       </p:sp>
-      <mc:AlternateContent xmlns:mc="http://schemas.openxmlformats.org/markup-compatibility/2006">
-        <mc:Choice xmlns:a14="http://schemas.microsoft.com/office/drawing/2010/main" Requires="a14">
+      <mc:AlternateContent xmlns:mc="http://schemas.openxmlformats.org/markup-compatibility/2006" xmlns:a14="http://schemas.microsoft.com/office/drawing/2010/main">
+        <mc:Choice Requires="a14">
           <p:graphicFrame>
             <p:nvGraphicFramePr>
               <p:cNvPr id="4" name="Tabela 3"/>
@@ -7617,6 +7635,7 @@
                         <a:bodyPr/>
                         <a:lstStyle/>
                         <a:p>
+                          <a:pPr/>
                           <a14:m>
                             <m:oMathPara xmlns:m="http://schemas.openxmlformats.org/officeDocument/2006/math">
                               <m:oMathParaPr>
@@ -7661,6 +7680,7 @@
                         <a:bodyPr/>
                         <a:lstStyle/>
                         <a:p>
+                          <a:pPr/>
                           <a14:m>
                             <m:oMathPara xmlns:m="http://schemas.openxmlformats.org/officeDocument/2006/math">
                               <m:oMathParaPr>
@@ -7705,6 +7725,7 @@
                         <a:bodyPr/>
                         <a:lstStyle/>
                         <a:p>
+                          <a:pPr/>
                           <a14:m>
                             <m:oMathPara xmlns:m="http://schemas.openxmlformats.org/officeDocument/2006/math">
                               <m:oMathParaPr>
@@ -7956,7 +7977,7 @@
             </a:graphic>
           </p:graphicFrame>
         </mc:Choice>
-        <mc:Fallback>
+        <mc:Fallback xmlns="">
           <p:graphicFrame>
             <p:nvGraphicFramePr>
               <p:cNvPr id="4" name="Tabela 3"/>
@@ -8493,8 +8514,8 @@
           </a:fontRef>
         </p:style>
       </p:cxnSp>
-      <mc:AlternateContent xmlns:mc="http://schemas.openxmlformats.org/markup-compatibility/2006">
-        <mc:Choice xmlns:a14="http://schemas.microsoft.com/office/drawing/2010/main" Requires="a14">
+      <mc:AlternateContent xmlns:mc="http://schemas.openxmlformats.org/markup-compatibility/2006" xmlns:a14="http://schemas.microsoft.com/office/drawing/2010/main">
+        <mc:Choice Requires="a14">
           <p:sp>
             <p:nvSpPr>
               <p:cNvPr id="13" name="CaixaDeTexto 12"/>
@@ -8517,6 +8538,7 @@
               </a:bodyPr>
               <a:lstStyle/>
               <a:p>
+                <a:pPr/>
                 <a14:m>
                   <m:oMathPara xmlns:m="http://schemas.openxmlformats.org/officeDocument/2006/math">
                     <m:oMathParaPr>
@@ -8537,7 +8559,7 @@
             </p:txBody>
           </p:sp>
         </mc:Choice>
-        <mc:Fallback>
+        <mc:Fallback xmlns="">
           <p:sp>
             <p:nvSpPr>
               <p:cNvPr id="13" name="CaixaDeTexto 12"/>
@@ -8576,8 +8598,8 @@
           </p:sp>
         </mc:Fallback>
       </mc:AlternateContent>
-      <mc:AlternateContent xmlns:mc="http://schemas.openxmlformats.org/markup-compatibility/2006">
-        <mc:Choice xmlns:a14="http://schemas.microsoft.com/office/drawing/2010/main" Requires="a14">
+      <mc:AlternateContent xmlns:mc="http://schemas.openxmlformats.org/markup-compatibility/2006" xmlns:a14="http://schemas.microsoft.com/office/drawing/2010/main">
+        <mc:Choice Requires="a14">
           <p:sp>
             <p:nvSpPr>
               <p:cNvPr id="14" name="CaixaDeTexto 13"/>
@@ -8600,6 +8622,7 @@
               </a:bodyPr>
               <a:lstStyle/>
               <a:p>
+                <a:pPr/>
                 <a14:m>
                   <m:oMathPara xmlns:m="http://schemas.openxmlformats.org/officeDocument/2006/math">
                     <m:oMathParaPr>
@@ -8620,7 +8643,7 @@
             </p:txBody>
           </p:sp>
         </mc:Choice>
-        <mc:Fallback>
+        <mc:Fallback xmlns="">
           <p:sp>
             <p:nvSpPr>
               <p:cNvPr id="14" name="CaixaDeTexto 13"/>
@@ -8901,7 +8924,6 @@
               <a:rPr lang="pt-BR" dirty="0"/>
               <a:t>1</a:t>
             </a:r>
-            <a:endParaRPr lang="pt-BR" dirty="0"/>
           </a:p>
         </p:txBody>
       </p:sp>
@@ -9035,8 +9057,8 @@
           </a:fontRef>
         </p:style>
       </p:cxnSp>
-      <mc:AlternateContent xmlns:mc="http://schemas.openxmlformats.org/markup-compatibility/2006">
-        <mc:Choice xmlns:a14="http://schemas.microsoft.com/office/drawing/2010/main" Requires="a14">
+      <mc:AlternateContent xmlns:mc="http://schemas.openxmlformats.org/markup-compatibility/2006" xmlns:a14="http://schemas.microsoft.com/office/drawing/2010/main">
+        <mc:Choice Requires="a14">
           <p:sp>
             <p:nvSpPr>
               <p:cNvPr id="57" name="CaixaDeTexto 56"/>
@@ -9059,6 +9081,7 @@
               </a:bodyPr>
               <a:lstStyle/>
               <a:p>
+                <a:pPr/>
                 <a14:m>
                   <m:oMathPara xmlns:m="http://schemas.openxmlformats.org/officeDocument/2006/math">
                     <m:oMathParaPr>
@@ -9079,7 +9102,7 @@
             </p:txBody>
           </p:sp>
         </mc:Choice>
-        <mc:Fallback>
+        <mc:Fallback xmlns="">
           <p:sp>
             <p:nvSpPr>
               <p:cNvPr id="57" name="CaixaDeTexto 56"/>
@@ -9118,8 +9141,8 @@
           </p:sp>
         </mc:Fallback>
       </mc:AlternateContent>
-      <mc:AlternateContent xmlns:mc="http://schemas.openxmlformats.org/markup-compatibility/2006">
-        <mc:Choice xmlns:a14="http://schemas.microsoft.com/office/drawing/2010/main" Requires="a14">
+      <mc:AlternateContent xmlns:mc="http://schemas.openxmlformats.org/markup-compatibility/2006" xmlns:a14="http://schemas.microsoft.com/office/drawing/2010/main">
+        <mc:Choice Requires="a14">
           <p:sp>
             <p:nvSpPr>
               <p:cNvPr id="58" name="CaixaDeTexto 57"/>
@@ -9142,6 +9165,7 @@
               </a:bodyPr>
               <a:lstStyle/>
               <a:p>
+                <a:pPr/>
                 <a14:m>
                   <m:oMathPara xmlns:m="http://schemas.openxmlformats.org/officeDocument/2006/math">
                     <m:oMathParaPr>
@@ -9162,7 +9186,7 @@
             </p:txBody>
           </p:sp>
         </mc:Choice>
-        <mc:Fallback>
+        <mc:Fallback xmlns="">
           <p:sp>
             <p:nvSpPr>
               <p:cNvPr id="58" name="CaixaDeTexto 57"/>
@@ -9578,8 +9602,8 @@
           </a:fontRef>
         </p:style>
       </p:cxnSp>
-      <mc:AlternateContent xmlns:mc="http://schemas.openxmlformats.org/markup-compatibility/2006">
-        <mc:Choice xmlns:a14="http://schemas.microsoft.com/office/drawing/2010/main" Requires="a14">
+      <mc:AlternateContent xmlns:mc="http://schemas.openxmlformats.org/markup-compatibility/2006" xmlns:a14="http://schemas.microsoft.com/office/drawing/2010/main">
+        <mc:Choice Requires="a14">
           <p:sp>
             <p:nvSpPr>
               <p:cNvPr id="68" name="CaixaDeTexto 67"/>
@@ -9602,6 +9626,7 @@
               </a:bodyPr>
               <a:lstStyle/>
               <a:p>
+                <a:pPr/>
                 <a14:m>
                   <m:oMathPara xmlns:m="http://schemas.openxmlformats.org/officeDocument/2006/math">
                     <m:oMathParaPr>
@@ -9622,7 +9647,7 @@
             </p:txBody>
           </p:sp>
         </mc:Choice>
-        <mc:Fallback>
+        <mc:Fallback xmlns="">
           <p:sp>
             <p:nvSpPr>
               <p:cNvPr id="68" name="CaixaDeTexto 67"/>
@@ -9661,8 +9686,8 @@
           </p:sp>
         </mc:Fallback>
       </mc:AlternateContent>
-      <mc:AlternateContent xmlns:mc="http://schemas.openxmlformats.org/markup-compatibility/2006">
-        <mc:Choice xmlns:a14="http://schemas.microsoft.com/office/drawing/2010/main" Requires="a14">
+      <mc:AlternateContent xmlns:mc="http://schemas.openxmlformats.org/markup-compatibility/2006" xmlns:a14="http://schemas.microsoft.com/office/drawing/2010/main">
+        <mc:Choice Requires="a14">
           <p:sp>
             <p:nvSpPr>
               <p:cNvPr id="69" name="CaixaDeTexto 68"/>
@@ -9685,6 +9710,7 @@
               </a:bodyPr>
               <a:lstStyle/>
               <a:p>
+                <a:pPr/>
                 <a14:m>
                   <m:oMathPara xmlns:m="http://schemas.openxmlformats.org/officeDocument/2006/math">
                     <m:oMathParaPr>
@@ -9705,7 +9731,7 @@
             </p:txBody>
           </p:sp>
         </mc:Choice>
-        <mc:Fallback>
+        <mc:Fallback xmlns="">
           <p:sp>
             <p:nvSpPr>
               <p:cNvPr id="69" name="CaixaDeTexto 68"/>
@@ -10121,8 +10147,8 @@
           </a:fontRef>
         </p:style>
       </p:cxnSp>
-      <mc:AlternateContent xmlns:mc="http://schemas.openxmlformats.org/markup-compatibility/2006">
-        <mc:Choice xmlns:a14="http://schemas.microsoft.com/office/drawing/2010/main" Requires="a14">
+      <mc:AlternateContent xmlns:mc="http://schemas.openxmlformats.org/markup-compatibility/2006" xmlns:a14="http://schemas.microsoft.com/office/drawing/2010/main">
+        <mc:Choice Requires="a14">
           <p:sp>
             <p:nvSpPr>
               <p:cNvPr id="82" name="CaixaDeTexto 81"/>
@@ -10145,6 +10171,7 @@
               </a:bodyPr>
               <a:lstStyle/>
               <a:p>
+                <a:pPr/>
                 <a14:m>
                   <m:oMathPara xmlns:m="http://schemas.openxmlformats.org/officeDocument/2006/math">
                     <m:oMathParaPr>
@@ -10165,7 +10192,7 @@
             </p:txBody>
           </p:sp>
         </mc:Choice>
-        <mc:Fallback>
+        <mc:Fallback xmlns="">
           <p:sp>
             <p:nvSpPr>
               <p:cNvPr id="82" name="CaixaDeTexto 81"/>
@@ -10204,8 +10231,8 @@
           </p:sp>
         </mc:Fallback>
       </mc:AlternateContent>
-      <mc:AlternateContent xmlns:mc="http://schemas.openxmlformats.org/markup-compatibility/2006">
-        <mc:Choice xmlns:a14="http://schemas.microsoft.com/office/drawing/2010/main" Requires="a14">
+      <mc:AlternateContent xmlns:mc="http://schemas.openxmlformats.org/markup-compatibility/2006" xmlns:a14="http://schemas.microsoft.com/office/drawing/2010/main">
+        <mc:Choice Requires="a14">
           <p:sp>
             <p:nvSpPr>
               <p:cNvPr id="83" name="CaixaDeTexto 82"/>
@@ -10228,6 +10255,7 @@
               </a:bodyPr>
               <a:lstStyle/>
               <a:p>
+                <a:pPr/>
                 <a14:m>
                   <m:oMathPara xmlns:m="http://schemas.openxmlformats.org/officeDocument/2006/math">
                     <m:oMathParaPr>
@@ -10248,7 +10276,7 @@
             </p:txBody>
           </p:sp>
         </mc:Choice>
-        <mc:Fallback>
+        <mc:Fallback xmlns="">
           <p:sp>
             <p:nvSpPr>
               <p:cNvPr id="83" name="CaixaDeTexto 82"/>
@@ -10446,8 +10474,8 @@
           </a:fontRef>
         </p:style>
       </p:cxnSp>
-      <mc:AlternateContent xmlns:mc="http://schemas.openxmlformats.org/markup-compatibility/2006">
-        <mc:Choice xmlns:a14="http://schemas.microsoft.com/office/drawing/2010/main" Requires="a14">
+      <mc:AlternateContent xmlns:mc="http://schemas.openxmlformats.org/markup-compatibility/2006" xmlns:a14="http://schemas.microsoft.com/office/drawing/2010/main">
+        <mc:Choice Requires="a14">
           <p:sp>
             <p:nvSpPr>
               <p:cNvPr id="88" name="CaixaDeTexto 87"/>
@@ -10470,6 +10498,7 @@
               </a:bodyPr>
               <a:lstStyle/>
               <a:p>
+                <a:pPr/>
                 <a14:m>
                   <m:oMathPara xmlns:m="http://schemas.openxmlformats.org/officeDocument/2006/math">
                     <m:oMathParaPr>
@@ -10494,6 +10523,7 @@
                 <a:endParaRPr lang="pt-BR" dirty="0" smtClean="0"/>
               </a:p>
               <a:p>
+                <a:pPr/>
                 <a14:m>
                   <m:oMathPara xmlns:m="http://schemas.openxmlformats.org/officeDocument/2006/math">
                     <m:oMathParaPr>
@@ -10535,6 +10565,7 @@
                 <a:endParaRPr lang="pt-BR" b="0" dirty="0" smtClean="0"/>
               </a:p>
               <a:p>
+                <a:pPr/>
                 <a14:m>
                   <m:oMathPara xmlns:m="http://schemas.openxmlformats.org/officeDocument/2006/math">
                     <m:oMathParaPr>
@@ -10573,7 +10604,7 @@
             </p:txBody>
           </p:sp>
         </mc:Choice>
-        <mc:Fallback>
+        <mc:Fallback xmlns="">
           <p:sp>
             <p:nvSpPr>
               <p:cNvPr id="88" name="CaixaDeTexto 87"/>
@@ -10612,8 +10643,8 @@
           </p:sp>
         </mc:Fallback>
       </mc:AlternateContent>
-      <mc:AlternateContent xmlns:mc="http://schemas.openxmlformats.org/markup-compatibility/2006">
-        <mc:Choice xmlns:a14="http://schemas.microsoft.com/office/drawing/2010/main" Requires="a14">
+      <mc:AlternateContent xmlns:mc="http://schemas.openxmlformats.org/markup-compatibility/2006" xmlns:a14="http://schemas.microsoft.com/office/drawing/2010/main">
+        <mc:Choice Requires="a14">
           <p:sp>
             <p:nvSpPr>
               <p:cNvPr id="89" name="CaixaDeTexto 88"/>
@@ -10636,6 +10667,7 @@
               </a:bodyPr>
               <a:lstStyle/>
               <a:p>
+                <a:pPr/>
                 <a14:m>
                   <m:oMathPara xmlns:m="http://schemas.openxmlformats.org/officeDocument/2006/math">
                     <m:oMathParaPr>
@@ -10744,7 +10776,7 @@
             </p:txBody>
           </p:sp>
         </mc:Choice>
-        <mc:Fallback>
+        <mc:Fallback xmlns="">
           <p:sp>
             <p:nvSpPr>
               <p:cNvPr id="89" name="CaixaDeTexto 88"/>
@@ -10783,8 +10815,8 @@
           </p:sp>
         </mc:Fallback>
       </mc:AlternateContent>
-      <mc:AlternateContent xmlns:mc="http://schemas.openxmlformats.org/markup-compatibility/2006">
-        <mc:Choice xmlns:a14="http://schemas.microsoft.com/office/drawing/2010/main" Requires="a14">
+      <mc:AlternateContent xmlns:mc="http://schemas.openxmlformats.org/markup-compatibility/2006" xmlns:a14="http://schemas.microsoft.com/office/drawing/2010/main">
+        <mc:Choice Requires="a14">
           <p:sp>
             <p:nvSpPr>
               <p:cNvPr id="90" name="CaixaDeTexto 89"/>
@@ -10807,6 +10839,7 @@
               </a:bodyPr>
               <a:lstStyle/>
               <a:p>
+                <a:pPr/>
                 <a14:m>
                   <m:oMathPara xmlns:m="http://schemas.openxmlformats.org/officeDocument/2006/math">
                     <m:oMathParaPr>
@@ -10915,7 +10948,7 @@
             </p:txBody>
           </p:sp>
         </mc:Choice>
-        <mc:Fallback>
+        <mc:Fallback xmlns="">
           <p:sp>
             <p:nvSpPr>
               <p:cNvPr id="90" name="CaixaDeTexto 89"/>
@@ -10954,8 +10987,8 @@
           </p:sp>
         </mc:Fallback>
       </mc:AlternateContent>
-      <mc:AlternateContent xmlns:mc="http://schemas.openxmlformats.org/markup-compatibility/2006">
-        <mc:Choice xmlns:a14="http://schemas.microsoft.com/office/drawing/2010/main" Requires="a14">
+      <mc:AlternateContent xmlns:mc="http://schemas.openxmlformats.org/markup-compatibility/2006" xmlns:a14="http://schemas.microsoft.com/office/drawing/2010/main">
+        <mc:Choice Requires="a14">
           <p:sp>
             <p:nvSpPr>
               <p:cNvPr id="91" name="CaixaDeTexto 90"/>
@@ -10978,6 +11011,7 @@
               </a:bodyPr>
               <a:lstStyle/>
               <a:p>
+                <a:pPr/>
                 <a14:m>
                   <m:oMathPara xmlns:m="http://schemas.openxmlformats.org/officeDocument/2006/math">
                     <m:oMathParaPr>
@@ -11086,7 +11120,7 @@
             </p:txBody>
           </p:sp>
         </mc:Choice>
-        <mc:Fallback>
+        <mc:Fallback xmlns="">
           <p:sp>
             <p:nvSpPr>
               <p:cNvPr id="91" name="CaixaDeTexto 90"/>
@@ -11354,8 +11388,8 @@
           </a:graphicData>
         </a:graphic>
       </p:graphicFrame>
-      <mc:AlternateContent xmlns:mc="http://schemas.openxmlformats.org/markup-compatibility/2006">
-        <mc:Choice xmlns:a14="http://schemas.microsoft.com/office/drawing/2010/main" Requires="a14">
+      <mc:AlternateContent xmlns:mc="http://schemas.openxmlformats.org/markup-compatibility/2006" xmlns:a14="http://schemas.microsoft.com/office/drawing/2010/main">
+        <mc:Choice Requires="a14">
           <p:sp>
             <p:nvSpPr>
               <p:cNvPr id="93" name="CaixaDeTexto 92"/>
@@ -11378,6 +11412,7 @@
               </a:bodyPr>
               <a:lstStyle/>
               <a:p>
+                <a:pPr/>
                 <a14:m>
                   <m:oMathPara xmlns:m="http://schemas.openxmlformats.org/officeDocument/2006/math">
                     <m:oMathParaPr>
@@ -11399,7 +11434,7 @@
                       <m:f>
                         <m:fPr>
                           <m:ctrlPr>
-                            <a:rPr lang="pt-BR" sz="2400" b="1" smtClean="0">
+                            <a:rPr lang="pt-BR" sz="2400" b="1" i="1" smtClean="0">
                               <a:latin typeface="Cambria Math" panose="02040503050406030204" pitchFamily="18" charset="0"/>
                             </a:rPr>
                           </m:ctrlPr>
@@ -11445,6 +11480,7 @@
                 <a:endParaRPr lang="pt-BR" sz="2400" b="1" dirty="0" smtClean="0"/>
               </a:p>
               <a:p>
+                <a:pPr/>
                 <a14:m>
                   <m:oMathPara xmlns:m="http://schemas.openxmlformats.org/officeDocument/2006/math">
                     <m:oMathParaPr>
@@ -11483,7 +11519,7 @@
             </p:txBody>
           </p:sp>
         </mc:Choice>
-        <mc:Fallback>
+        <mc:Fallback xmlns="">
           <p:sp>
             <p:nvSpPr>
               <p:cNvPr id="93" name="CaixaDeTexto 92"/>
@@ -15293,8 +15329,8 @@
           </a:p>
         </p:txBody>
       </p:sp>
-      <mc:AlternateContent xmlns:mc="http://schemas.openxmlformats.org/markup-compatibility/2006">
-        <mc:Choice xmlns:a14="http://schemas.microsoft.com/office/drawing/2010/main" Requires="a14">
+      <mc:AlternateContent xmlns:mc="http://schemas.openxmlformats.org/markup-compatibility/2006" xmlns:a14="http://schemas.microsoft.com/office/drawing/2010/main">
+        <mc:Choice Requires="a14">
           <p:graphicFrame>
             <p:nvGraphicFramePr>
               <p:cNvPr id="4" name="Tabela 3"/>
@@ -15342,6 +15378,7 @@
                         <a:bodyPr/>
                         <a:lstStyle/>
                         <a:p>
+                          <a:pPr/>
                           <a14:m>
                             <m:oMathPara xmlns:m="http://schemas.openxmlformats.org/officeDocument/2006/math">
                               <m:oMathParaPr>
@@ -15386,6 +15423,7 @@
                         <a:bodyPr/>
                         <a:lstStyle/>
                         <a:p>
+                          <a:pPr/>
                           <a14:m>
                             <m:oMathPara xmlns:m="http://schemas.openxmlformats.org/officeDocument/2006/math">
                               <m:oMathParaPr>
@@ -15430,6 +15468,7 @@
                         <a:bodyPr/>
                         <a:lstStyle/>
                         <a:p>
+                          <a:pPr/>
                           <a14:m>
                             <m:oMathPara xmlns:m="http://schemas.openxmlformats.org/officeDocument/2006/math">
                               <m:oMathParaPr>
@@ -15681,7 +15720,7 @@
             </a:graphic>
           </p:graphicFrame>
         </mc:Choice>
-        <mc:Fallback>
+        <mc:Fallback xmlns="">
           <p:graphicFrame>
             <p:nvGraphicFramePr>
               <p:cNvPr id="4" name="Tabela 3"/>
@@ -16212,8 +16251,8 @@
           </a:fontRef>
         </p:style>
       </p:cxnSp>
-      <mc:AlternateContent xmlns:mc="http://schemas.openxmlformats.org/markup-compatibility/2006">
-        <mc:Choice xmlns:a14="http://schemas.microsoft.com/office/drawing/2010/main" Requires="a14">
+      <mc:AlternateContent xmlns:mc="http://schemas.openxmlformats.org/markup-compatibility/2006" xmlns:a14="http://schemas.microsoft.com/office/drawing/2010/main">
+        <mc:Choice Requires="a14">
           <p:sp>
             <p:nvSpPr>
               <p:cNvPr id="13" name="CaixaDeTexto 12"/>
@@ -16236,6 +16275,7 @@
               </a:bodyPr>
               <a:lstStyle/>
               <a:p>
+                <a:pPr/>
                 <a14:m>
                   <m:oMathPara xmlns:m="http://schemas.openxmlformats.org/officeDocument/2006/math">
                     <m:oMathParaPr>
@@ -16256,7 +16296,7 @@
             </p:txBody>
           </p:sp>
         </mc:Choice>
-        <mc:Fallback>
+        <mc:Fallback xmlns="">
           <p:sp>
             <p:nvSpPr>
               <p:cNvPr id="13" name="CaixaDeTexto 12"/>
@@ -16295,8 +16335,8 @@
           </p:sp>
         </mc:Fallback>
       </mc:AlternateContent>
-      <mc:AlternateContent xmlns:mc="http://schemas.openxmlformats.org/markup-compatibility/2006">
-        <mc:Choice xmlns:a14="http://schemas.microsoft.com/office/drawing/2010/main" Requires="a14">
+      <mc:AlternateContent xmlns:mc="http://schemas.openxmlformats.org/markup-compatibility/2006" xmlns:a14="http://schemas.microsoft.com/office/drawing/2010/main">
+        <mc:Choice Requires="a14">
           <p:sp>
             <p:nvSpPr>
               <p:cNvPr id="14" name="CaixaDeTexto 13"/>
@@ -16319,6 +16359,7 @@
               </a:bodyPr>
               <a:lstStyle/>
               <a:p>
+                <a:pPr/>
                 <a14:m>
                   <m:oMathPara xmlns:m="http://schemas.openxmlformats.org/officeDocument/2006/math">
                     <m:oMathParaPr>
@@ -16339,7 +16380,7 @@
             </p:txBody>
           </p:sp>
         </mc:Choice>
-        <mc:Fallback>
+        <mc:Fallback xmlns="">
           <p:sp>
             <p:nvSpPr>
               <p:cNvPr id="14" name="CaixaDeTexto 13"/>
@@ -16620,7 +16661,6 @@
               <a:rPr lang="pt-BR" dirty="0"/>
               <a:t>1</a:t>
             </a:r>
-            <a:endParaRPr lang="pt-BR" dirty="0"/>
           </a:p>
         </p:txBody>
       </p:sp>
@@ -16754,8 +16794,8 @@
           </a:fontRef>
         </p:style>
       </p:cxnSp>
-      <mc:AlternateContent xmlns:mc="http://schemas.openxmlformats.org/markup-compatibility/2006">
-        <mc:Choice xmlns:a14="http://schemas.microsoft.com/office/drawing/2010/main" Requires="a14">
+      <mc:AlternateContent xmlns:mc="http://schemas.openxmlformats.org/markup-compatibility/2006" xmlns:a14="http://schemas.microsoft.com/office/drawing/2010/main">
+        <mc:Choice Requires="a14">
           <p:sp>
             <p:nvSpPr>
               <p:cNvPr id="57" name="CaixaDeTexto 56"/>
@@ -16778,6 +16818,7 @@
               </a:bodyPr>
               <a:lstStyle/>
               <a:p>
+                <a:pPr/>
                 <a14:m>
                   <m:oMathPara xmlns:m="http://schemas.openxmlformats.org/officeDocument/2006/math">
                     <m:oMathParaPr>
@@ -16798,7 +16839,7 @@
             </p:txBody>
           </p:sp>
         </mc:Choice>
-        <mc:Fallback>
+        <mc:Fallback xmlns="">
           <p:sp>
             <p:nvSpPr>
               <p:cNvPr id="57" name="CaixaDeTexto 56"/>
@@ -16837,8 +16878,8 @@
           </p:sp>
         </mc:Fallback>
       </mc:AlternateContent>
-      <mc:AlternateContent xmlns:mc="http://schemas.openxmlformats.org/markup-compatibility/2006">
-        <mc:Choice xmlns:a14="http://schemas.microsoft.com/office/drawing/2010/main" Requires="a14">
+      <mc:AlternateContent xmlns:mc="http://schemas.openxmlformats.org/markup-compatibility/2006" xmlns:a14="http://schemas.microsoft.com/office/drawing/2010/main">
+        <mc:Choice Requires="a14">
           <p:sp>
             <p:nvSpPr>
               <p:cNvPr id="58" name="CaixaDeTexto 57"/>
@@ -16861,6 +16902,7 @@
               </a:bodyPr>
               <a:lstStyle/>
               <a:p>
+                <a:pPr/>
                 <a14:m>
                   <m:oMathPara xmlns:m="http://schemas.openxmlformats.org/officeDocument/2006/math">
                     <m:oMathParaPr>
@@ -16881,7 +16923,7 @@
             </p:txBody>
           </p:sp>
         </mc:Choice>
-        <mc:Fallback>
+        <mc:Fallback xmlns="">
           <p:sp>
             <p:nvSpPr>
               <p:cNvPr id="58" name="CaixaDeTexto 57"/>
@@ -17297,8 +17339,8 @@
           </a:fontRef>
         </p:style>
       </p:cxnSp>
-      <mc:AlternateContent xmlns:mc="http://schemas.openxmlformats.org/markup-compatibility/2006">
-        <mc:Choice xmlns:a14="http://schemas.microsoft.com/office/drawing/2010/main" Requires="a14">
+      <mc:AlternateContent xmlns:mc="http://schemas.openxmlformats.org/markup-compatibility/2006" xmlns:a14="http://schemas.microsoft.com/office/drawing/2010/main">
+        <mc:Choice Requires="a14">
           <p:sp>
             <p:nvSpPr>
               <p:cNvPr id="68" name="CaixaDeTexto 67"/>
@@ -17321,6 +17363,7 @@
               </a:bodyPr>
               <a:lstStyle/>
               <a:p>
+                <a:pPr/>
                 <a14:m>
                   <m:oMathPara xmlns:m="http://schemas.openxmlformats.org/officeDocument/2006/math">
                     <m:oMathParaPr>
@@ -17341,7 +17384,7 @@
             </p:txBody>
           </p:sp>
         </mc:Choice>
-        <mc:Fallback>
+        <mc:Fallback xmlns="">
           <p:sp>
             <p:nvSpPr>
               <p:cNvPr id="68" name="CaixaDeTexto 67"/>
@@ -17380,8 +17423,8 @@
           </p:sp>
         </mc:Fallback>
       </mc:AlternateContent>
-      <mc:AlternateContent xmlns:mc="http://schemas.openxmlformats.org/markup-compatibility/2006">
-        <mc:Choice xmlns:a14="http://schemas.microsoft.com/office/drawing/2010/main" Requires="a14">
+      <mc:AlternateContent xmlns:mc="http://schemas.openxmlformats.org/markup-compatibility/2006" xmlns:a14="http://schemas.microsoft.com/office/drawing/2010/main">
+        <mc:Choice Requires="a14">
           <p:sp>
             <p:nvSpPr>
               <p:cNvPr id="69" name="CaixaDeTexto 68"/>
@@ -17404,6 +17447,7 @@
               </a:bodyPr>
               <a:lstStyle/>
               <a:p>
+                <a:pPr/>
                 <a14:m>
                   <m:oMathPara xmlns:m="http://schemas.openxmlformats.org/officeDocument/2006/math">
                     <m:oMathParaPr>
@@ -17424,7 +17468,7 @@
             </p:txBody>
           </p:sp>
         </mc:Choice>
-        <mc:Fallback>
+        <mc:Fallback xmlns="">
           <p:sp>
             <p:nvSpPr>
               <p:cNvPr id="69" name="CaixaDeTexto 68"/>
@@ -17840,8 +17884,8 @@
           </a:fontRef>
         </p:style>
       </p:cxnSp>
-      <mc:AlternateContent xmlns:mc="http://schemas.openxmlformats.org/markup-compatibility/2006">
-        <mc:Choice xmlns:a14="http://schemas.microsoft.com/office/drawing/2010/main" Requires="a14">
+      <mc:AlternateContent xmlns:mc="http://schemas.openxmlformats.org/markup-compatibility/2006" xmlns:a14="http://schemas.microsoft.com/office/drawing/2010/main">
+        <mc:Choice Requires="a14">
           <p:sp>
             <p:nvSpPr>
               <p:cNvPr id="82" name="CaixaDeTexto 81"/>
@@ -17864,6 +17908,7 @@
               </a:bodyPr>
               <a:lstStyle/>
               <a:p>
+                <a:pPr/>
                 <a14:m>
                   <m:oMathPara xmlns:m="http://schemas.openxmlformats.org/officeDocument/2006/math">
                     <m:oMathParaPr>
@@ -17884,7 +17929,7 @@
             </p:txBody>
           </p:sp>
         </mc:Choice>
-        <mc:Fallback>
+        <mc:Fallback xmlns="">
           <p:sp>
             <p:nvSpPr>
               <p:cNvPr id="82" name="CaixaDeTexto 81"/>
@@ -17923,8 +17968,8 @@
           </p:sp>
         </mc:Fallback>
       </mc:AlternateContent>
-      <mc:AlternateContent xmlns:mc="http://schemas.openxmlformats.org/markup-compatibility/2006">
-        <mc:Choice xmlns:a14="http://schemas.microsoft.com/office/drawing/2010/main" Requires="a14">
+      <mc:AlternateContent xmlns:mc="http://schemas.openxmlformats.org/markup-compatibility/2006" xmlns:a14="http://schemas.microsoft.com/office/drawing/2010/main">
+        <mc:Choice Requires="a14">
           <p:sp>
             <p:nvSpPr>
               <p:cNvPr id="83" name="CaixaDeTexto 82"/>
@@ -17947,6 +17992,7 @@
               </a:bodyPr>
               <a:lstStyle/>
               <a:p>
+                <a:pPr/>
                 <a14:m>
                   <m:oMathPara xmlns:m="http://schemas.openxmlformats.org/officeDocument/2006/math">
                     <m:oMathParaPr>
@@ -17967,7 +18013,7 @@
             </p:txBody>
           </p:sp>
         </mc:Choice>
-        <mc:Fallback>
+        <mc:Fallback xmlns="">
           <p:sp>
             <p:nvSpPr>
               <p:cNvPr id="83" name="CaixaDeTexto 82"/>
@@ -18165,8 +18211,8 @@
           </a:fontRef>
         </p:style>
       </p:cxnSp>
-      <mc:AlternateContent xmlns:mc="http://schemas.openxmlformats.org/markup-compatibility/2006">
-        <mc:Choice xmlns:a14="http://schemas.microsoft.com/office/drawing/2010/main" Requires="a14">
+      <mc:AlternateContent xmlns:mc="http://schemas.openxmlformats.org/markup-compatibility/2006" xmlns:a14="http://schemas.microsoft.com/office/drawing/2010/main">
+        <mc:Choice Requires="a14">
           <p:sp>
             <p:nvSpPr>
               <p:cNvPr id="88" name="CaixaDeTexto 87"/>
@@ -18189,6 +18235,7 @@
               </a:bodyPr>
               <a:lstStyle/>
               <a:p>
+                <a:pPr/>
                 <a14:m>
                   <m:oMathPara xmlns:m="http://schemas.openxmlformats.org/officeDocument/2006/math">
                     <m:oMathParaPr>
@@ -18213,6 +18260,7 @@
                 <a:endParaRPr lang="pt-BR" dirty="0" smtClean="0"/>
               </a:p>
               <a:p>
+                <a:pPr/>
                 <a14:m>
                   <m:oMathPara xmlns:m="http://schemas.openxmlformats.org/officeDocument/2006/math">
                     <m:oMathParaPr>
@@ -18254,6 +18302,7 @@
                 <a:endParaRPr lang="pt-BR" b="0" dirty="0" smtClean="0"/>
               </a:p>
               <a:p>
+                <a:pPr/>
                 <a14:m>
                   <m:oMathPara xmlns:m="http://schemas.openxmlformats.org/officeDocument/2006/math">
                     <m:oMathParaPr>
@@ -18292,7 +18341,7 @@
             </p:txBody>
           </p:sp>
         </mc:Choice>
-        <mc:Fallback>
+        <mc:Fallback xmlns="">
           <p:sp>
             <p:nvSpPr>
               <p:cNvPr id="88" name="CaixaDeTexto 87"/>
@@ -18331,8 +18380,8 @@
           </p:sp>
         </mc:Fallback>
       </mc:AlternateContent>
-      <mc:AlternateContent xmlns:mc="http://schemas.openxmlformats.org/markup-compatibility/2006">
-        <mc:Choice xmlns:a14="http://schemas.microsoft.com/office/drawing/2010/main" Requires="a14">
+      <mc:AlternateContent xmlns:mc="http://schemas.openxmlformats.org/markup-compatibility/2006" xmlns:a14="http://schemas.microsoft.com/office/drawing/2010/main">
+        <mc:Choice Requires="a14">
           <p:sp>
             <p:nvSpPr>
               <p:cNvPr id="89" name="CaixaDeTexto 88"/>
@@ -18355,6 +18404,7 @@
               </a:bodyPr>
               <a:lstStyle/>
               <a:p>
+                <a:pPr/>
                 <a14:m>
                   <m:oMathPara xmlns:m="http://schemas.openxmlformats.org/officeDocument/2006/math">
                     <m:oMathParaPr>
@@ -18463,7 +18513,7 @@
             </p:txBody>
           </p:sp>
         </mc:Choice>
-        <mc:Fallback>
+        <mc:Fallback xmlns="">
           <p:sp>
             <p:nvSpPr>
               <p:cNvPr id="89" name="CaixaDeTexto 88"/>
@@ -18502,8 +18552,8 @@
           </p:sp>
         </mc:Fallback>
       </mc:AlternateContent>
-      <mc:AlternateContent xmlns:mc="http://schemas.openxmlformats.org/markup-compatibility/2006">
-        <mc:Choice xmlns:a14="http://schemas.microsoft.com/office/drawing/2010/main" Requires="a14">
+      <mc:AlternateContent xmlns:mc="http://schemas.openxmlformats.org/markup-compatibility/2006" xmlns:a14="http://schemas.microsoft.com/office/drawing/2010/main">
+        <mc:Choice Requires="a14">
           <p:sp>
             <p:nvSpPr>
               <p:cNvPr id="90" name="CaixaDeTexto 89"/>
@@ -18526,6 +18576,7 @@
               </a:bodyPr>
               <a:lstStyle/>
               <a:p>
+                <a:pPr/>
                 <a14:m>
                   <m:oMathPara xmlns:m="http://schemas.openxmlformats.org/officeDocument/2006/math">
                     <m:oMathParaPr>
@@ -18634,7 +18685,7 @@
             </p:txBody>
           </p:sp>
         </mc:Choice>
-        <mc:Fallback>
+        <mc:Fallback xmlns="">
           <p:sp>
             <p:nvSpPr>
               <p:cNvPr id="90" name="CaixaDeTexto 89"/>
@@ -18673,8 +18724,8 @@
           </p:sp>
         </mc:Fallback>
       </mc:AlternateContent>
-      <mc:AlternateContent xmlns:mc="http://schemas.openxmlformats.org/markup-compatibility/2006">
-        <mc:Choice xmlns:a14="http://schemas.microsoft.com/office/drawing/2010/main" Requires="a14">
+      <mc:AlternateContent xmlns:mc="http://schemas.openxmlformats.org/markup-compatibility/2006" xmlns:a14="http://schemas.microsoft.com/office/drawing/2010/main">
+        <mc:Choice Requires="a14">
           <p:sp>
             <p:nvSpPr>
               <p:cNvPr id="91" name="CaixaDeTexto 90"/>
@@ -18697,6 +18748,7 @@
               </a:bodyPr>
               <a:lstStyle/>
               <a:p>
+                <a:pPr/>
                 <a14:m>
                   <m:oMathPara xmlns:m="http://schemas.openxmlformats.org/officeDocument/2006/math">
                     <m:oMathParaPr>
@@ -18755,13 +18807,7 @@
                         <a:rPr lang="pt-BR" b="0" i="1" smtClean="0">
                           <a:latin typeface="Cambria Math" panose="02040503050406030204" pitchFamily="18" charset="0"/>
                         </a:rPr>
-                        <m:t>=</m:t>
-                      </m:r>
-                      <m:r>
-                        <a:rPr lang="pt-BR" b="0" i="1" smtClean="0">
-                          <a:latin typeface="Cambria Math" panose="02040503050406030204" pitchFamily="18" charset="0"/>
-                        </a:rPr>
-                        <m:t>1</m:t>
+                        <m:t>=1</m:t>
                       </m:r>
                     </m:oMath>
                   </m:oMathPara>
@@ -18811,7 +18857,7 @@
             </p:txBody>
           </p:sp>
         </mc:Choice>
-        <mc:Fallback>
+        <mc:Fallback xmlns="">
           <p:sp>
             <p:nvSpPr>
               <p:cNvPr id="91" name="CaixaDeTexto 90"/>
@@ -19079,8 +19125,8 @@
           </a:graphicData>
         </a:graphic>
       </p:graphicFrame>
-      <mc:AlternateContent xmlns:mc="http://schemas.openxmlformats.org/markup-compatibility/2006">
-        <mc:Choice xmlns:a14="http://schemas.microsoft.com/office/drawing/2010/main" Requires="a14">
+      <mc:AlternateContent xmlns:mc="http://schemas.openxmlformats.org/markup-compatibility/2006" xmlns:a14="http://schemas.microsoft.com/office/drawing/2010/main">
+        <mc:Choice Requires="a14">
           <p:sp>
             <p:nvSpPr>
               <p:cNvPr id="93" name="CaixaDeTexto 92"/>
@@ -19103,6 +19149,7 @@
               </a:bodyPr>
               <a:lstStyle/>
               <a:p>
+                <a:pPr/>
                 <a14:m>
                   <m:oMathPara xmlns:m="http://schemas.openxmlformats.org/officeDocument/2006/math">
                     <m:oMathParaPr>
@@ -19133,6 +19180,7 @@
                 <a:endParaRPr lang="pt-BR" sz="2400" b="1" dirty="0" smtClean="0"/>
               </a:p>
               <a:p>
+                <a:pPr/>
                 <a14:m>
                   <m:oMathPara xmlns:m="http://schemas.openxmlformats.org/officeDocument/2006/math">
                     <m:oMathParaPr>
@@ -19171,7 +19219,7 @@
             </p:txBody>
           </p:sp>
         </mc:Choice>
-        <mc:Fallback>
+        <mc:Fallback xmlns="">
           <p:sp>
             <p:nvSpPr>
               <p:cNvPr id="93" name="CaixaDeTexto 92"/>
@@ -22986,7 +23034,12 @@
             <p:ph idx="1"/>
           </p:nvPr>
         </p:nvSpPr>
-        <p:spPr/>
+        <p:spPr>
+          <a:xfrm>
+            <a:off x="1097280" y="1845734"/>
+            <a:ext cx="10058400" cy="2107430"/>
+          </a:xfrm>
+        </p:spPr>
         <p:txBody>
           <a:bodyPr>
             <a:normAutofit/>
@@ -23027,7 +23080,961 @@
               <a:rPr lang="pt-BR" sz="2800" dirty="0" err="1" smtClean="0"/>
               <a:t>backpropagation</a:t>
             </a:r>
-            <a:endParaRPr lang="pt-BR" sz="2800" dirty="0"/>
+            <a:endParaRPr lang="pt-BR" sz="2800" dirty="0" smtClean="0"/>
+          </a:p>
+          <a:p>
+            <a:pPr>
+              <a:buFont typeface="Arial" panose="020B0604020202020204" pitchFamily="34" charset="0"/>
+              <a:buChar char="•"/>
+            </a:pPr>
+            <a:r>
+              <a:rPr lang="pt-BR" sz="2800" dirty="0"/>
+              <a:t> </a:t>
+            </a:r>
+            <a:r>
+              <a:rPr lang="pt-BR" sz="2800" dirty="0" smtClean="0"/>
+              <a:t>Justificativa: MLP resolve problemas não-linearmente separáveis.</a:t>
+            </a:r>
+          </a:p>
+        </p:txBody>
+      </p:sp>
+      <p:cxnSp>
+        <p:nvCxnSpPr>
+          <p:cNvPr id="5" name="Conector de Seta Reta 4"/>
+          <p:cNvCxnSpPr/>
+          <p:nvPr/>
+        </p:nvCxnSpPr>
+        <p:spPr>
+          <a:xfrm flipV="1">
+            <a:off x="1274618" y="3629891"/>
+            <a:ext cx="0" cy="2318327"/>
+          </a:xfrm>
+          <a:prstGeom prst="straightConnector1">
+            <a:avLst/>
+          </a:prstGeom>
+          <a:ln w="19050">
+            <a:tailEnd type="triangle"/>
+          </a:ln>
+        </p:spPr>
+        <p:style>
+          <a:lnRef idx="1">
+            <a:schemeClr val="dk1"/>
+          </a:lnRef>
+          <a:fillRef idx="0">
+            <a:schemeClr val="dk1"/>
+          </a:fillRef>
+          <a:effectRef idx="0">
+            <a:schemeClr val="dk1"/>
+          </a:effectRef>
+          <a:fontRef idx="minor">
+            <a:schemeClr val="tx1"/>
+          </a:fontRef>
+        </p:style>
+      </p:cxnSp>
+      <p:cxnSp>
+        <p:nvCxnSpPr>
+          <p:cNvPr id="7" name="Conector de Seta Reta 6"/>
+          <p:cNvCxnSpPr/>
+          <p:nvPr/>
+        </p:nvCxnSpPr>
+        <p:spPr>
+          <a:xfrm>
+            <a:off x="1274618" y="5948218"/>
+            <a:ext cx="2626822" cy="0"/>
+          </a:xfrm>
+          <a:prstGeom prst="straightConnector1">
+            <a:avLst/>
+          </a:prstGeom>
+          <a:ln w="19050">
+            <a:tailEnd type="triangle"/>
+          </a:ln>
+        </p:spPr>
+        <p:style>
+          <a:lnRef idx="1">
+            <a:schemeClr val="dk1"/>
+          </a:lnRef>
+          <a:fillRef idx="0">
+            <a:schemeClr val="dk1"/>
+          </a:fillRef>
+          <a:effectRef idx="0">
+            <a:schemeClr val="dk1"/>
+          </a:effectRef>
+          <a:fontRef idx="minor">
+            <a:schemeClr val="tx1"/>
+          </a:fontRef>
+        </p:style>
+      </p:cxnSp>
+      <p:sp>
+        <p:nvSpPr>
+          <p:cNvPr id="8" name="CaixaDeTexto 7"/>
+          <p:cNvSpPr txBox="1"/>
+          <p:nvPr/>
+        </p:nvSpPr>
+        <p:spPr>
+          <a:xfrm>
+            <a:off x="1518920" y="5942676"/>
+            <a:ext cx="2565400" cy="369332"/>
+          </a:xfrm>
+          <a:prstGeom prst="rect">
+            <a:avLst/>
+          </a:prstGeom>
+          <a:noFill/>
+        </p:spPr>
+        <p:txBody>
+          <a:bodyPr wrap="square" rtlCol="0">
+            <a:spAutoFit/>
+          </a:bodyPr>
+          <a:lstStyle/>
+          <a:p>
+            <a:r>
+              <a:rPr lang="pt-BR" dirty="0" smtClean="0"/>
+              <a:t>0		1</a:t>
+            </a:r>
+            <a:endParaRPr lang="pt-BR" dirty="0"/>
+          </a:p>
+        </p:txBody>
+      </p:sp>
+      <p:sp>
+        <p:nvSpPr>
+          <p:cNvPr id="9" name="CaixaDeTexto 8"/>
+          <p:cNvSpPr txBox="1"/>
+          <p:nvPr/>
+        </p:nvSpPr>
+        <p:spPr>
+          <a:xfrm>
+            <a:off x="817880" y="3773391"/>
+            <a:ext cx="279400" cy="2031325"/>
+          </a:xfrm>
+          <a:prstGeom prst="rect">
+            <a:avLst/>
+          </a:prstGeom>
+          <a:noFill/>
+        </p:spPr>
+        <p:txBody>
+          <a:bodyPr wrap="square" rtlCol="0">
+            <a:spAutoFit/>
+          </a:bodyPr>
+          <a:lstStyle/>
+          <a:p>
+            <a:r>
+              <a:rPr lang="pt-BR" dirty="0"/>
+              <a:t>1</a:t>
+            </a:r>
+            <a:endParaRPr lang="pt-BR" dirty="0" smtClean="0"/>
+          </a:p>
+          <a:p>
+            <a:endParaRPr lang="pt-BR" dirty="0"/>
+          </a:p>
+          <a:p>
+            <a:endParaRPr lang="pt-BR" dirty="0" smtClean="0"/>
+          </a:p>
+          <a:p>
+            <a:endParaRPr lang="pt-BR" dirty="0"/>
+          </a:p>
+          <a:p>
+            <a:endParaRPr lang="pt-BR" dirty="0" smtClean="0"/>
+          </a:p>
+          <a:p>
+            <a:endParaRPr lang="pt-BR" dirty="0"/>
+          </a:p>
+          <a:p>
+            <a:r>
+              <a:rPr lang="pt-BR" dirty="0"/>
+              <a:t>0</a:t>
+            </a:r>
+            <a:endParaRPr lang="pt-BR" dirty="0" smtClean="0"/>
+          </a:p>
+        </p:txBody>
+      </p:sp>
+      <p:sp>
+        <p:nvSpPr>
+          <p:cNvPr id="10" name="Elipse 9"/>
+          <p:cNvSpPr/>
+          <p:nvPr/>
+        </p:nvSpPr>
+        <p:spPr>
+          <a:xfrm>
+            <a:off x="1518920" y="5441727"/>
+            <a:ext cx="274320" cy="274320"/>
+          </a:xfrm>
+          <a:prstGeom prst="ellipse">
+            <a:avLst/>
+          </a:prstGeom>
+        </p:spPr>
+        <p:style>
+          <a:lnRef idx="2">
+            <a:schemeClr val="accent2">
+              <a:shade val="50000"/>
+            </a:schemeClr>
+          </a:lnRef>
+          <a:fillRef idx="1">
+            <a:schemeClr val="accent2"/>
+          </a:fillRef>
+          <a:effectRef idx="0">
+            <a:schemeClr val="accent2"/>
+          </a:effectRef>
+          <a:fontRef idx="minor">
+            <a:schemeClr val="lt1"/>
+          </a:fontRef>
+        </p:style>
+        <p:txBody>
+          <a:bodyPr rtlCol="0" anchor="ctr"/>
+          <a:lstStyle/>
+          <a:p>
+            <a:pPr algn="ctr"/>
+            <a:r>
+              <a:rPr lang="pt-BR" dirty="0" smtClean="0"/>
+              <a:t>0</a:t>
+            </a:r>
+            <a:endParaRPr lang="pt-BR" dirty="0"/>
+          </a:p>
+        </p:txBody>
+      </p:sp>
+      <p:sp>
+        <p:nvSpPr>
+          <p:cNvPr id="11" name="Elipse 10"/>
+          <p:cNvSpPr/>
+          <p:nvPr/>
+        </p:nvSpPr>
+        <p:spPr>
+          <a:xfrm>
+            <a:off x="3369553" y="5441727"/>
+            <a:ext cx="274320" cy="274320"/>
+          </a:xfrm>
+          <a:prstGeom prst="ellipse">
+            <a:avLst/>
+          </a:prstGeom>
+        </p:spPr>
+        <p:style>
+          <a:lnRef idx="2">
+            <a:schemeClr val="accent2">
+              <a:shade val="50000"/>
+            </a:schemeClr>
+          </a:lnRef>
+          <a:fillRef idx="1">
+            <a:schemeClr val="accent2"/>
+          </a:fillRef>
+          <a:effectRef idx="0">
+            <a:schemeClr val="accent2"/>
+          </a:effectRef>
+          <a:fontRef idx="minor">
+            <a:schemeClr val="lt1"/>
+          </a:fontRef>
+        </p:style>
+        <p:txBody>
+          <a:bodyPr rtlCol="0" anchor="ctr"/>
+          <a:lstStyle/>
+          <a:p>
+            <a:pPr algn="ctr"/>
+            <a:r>
+              <a:rPr lang="pt-BR" dirty="0" smtClean="0"/>
+              <a:t>0</a:t>
+            </a:r>
+            <a:endParaRPr lang="pt-BR" dirty="0"/>
+          </a:p>
+        </p:txBody>
+      </p:sp>
+      <p:sp>
+        <p:nvSpPr>
+          <p:cNvPr id="12" name="Elipse 11"/>
+          <p:cNvSpPr/>
+          <p:nvPr/>
+        </p:nvSpPr>
+        <p:spPr>
+          <a:xfrm>
+            <a:off x="1518920" y="3816004"/>
+            <a:ext cx="274320" cy="274320"/>
+          </a:xfrm>
+          <a:prstGeom prst="ellipse">
+            <a:avLst/>
+          </a:prstGeom>
+        </p:spPr>
+        <p:style>
+          <a:lnRef idx="2">
+            <a:schemeClr val="accent2">
+              <a:shade val="50000"/>
+            </a:schemeClr>
+          </a:lnRef>
+          <a:fillRef idx="1">
+            <a:schemeClr val="accent2"/>
+          </a:fillRef>
+          <a:effectRef idx="0">
+            <a:schemeClr val="accent2"/>
+          </a:effectRef>
+          <a:fontRef idx="minor">
+            <a:schemeClr val="lt1"/>
+          </a:fontRef>
+        </p:style>
+        <p:txBody>
+          <a:bodyPr rtlCol="0" anchor="ctr"/>
+          <a:lstStyle/>
+          <a:p>
+            <a:pPr algn="ctr"/>
+            <a:r>
+              <a:rPr lang="pt-BR" dirty="0" smtClean="0"/>
+              <a:t>0</a:t>
+            </a:r>
+            <a:endParaRPr lang="pt-BR" dirty="0"/>
+          </a:p>
+        </p:txBody>
+      </p:sp>
+      <p:sp>
+        <p:nvSpPr>
+          <p:cNvPr id="13" name="Elipse 12"/>
+          <p:cNvSpPr/>
+          <p:nvPr/>
+        </p:nvSpPr>
+        <p:spPr>
+          <a:xfrm>
+            <a:off x="3369553" y="3816004"/>
+            <a:ext cx="274320" cy="274320"/>
+          </a:xfrm>
+          <a:prstGeom prst="ellipse">
+            <a:avLst/>
+          </a:prstGeom>
+        </p:spPr>
+        <p:style>
+          <a:lnRef idx="2">
+            <a:schemeClr val="accent2">
+              <a:shade val="50000"/>
+            </a:schemeClr>
+          </a:lnRef>
+          <a:fillRef idx="1">
+            <a:schemeClr val="accent2"/>
+          </a:fillRef>
+          <a:effectRef idx="0">
+            <a:schemeClr val="accent2"/>
+          </a:effectRef>
+          <a:fontRef idx="minor">
+            <a:schemeClr val="lt1"/>
+          </a:fontRef>
+        </p:style>
+        <p:txBody>
+          <a:bodyPr rtlCol="0" anchor="ctr"/>
+          <a:lstStyle/>
+          <a:p>
+            <a:pPr algn="ctr"/>
+            <a:r>
+              <a:rPr lang="pt-BR" dirty="0"/>
+              <a:t>1</a:t>
+            </a:r>
+            <a:endParaRPr lang="pt-BR" dirty="0"/>
+          </a:p>
+        </p:txBody>
+      </p:sp>
+      <p:sp>
+        <p:nvSpPr>
+          <p:cNvPr id="14" name="CaixaDeTexto 13"/>
+          <p:cNvSpPr txBox="1"/>
+          <p:nvPr/>
+        </p:nvSpPr>
+        <p:spPr>
+          <a:xfrm>
+            <a:off x="274320" y="4373880"/>
+            <a:ext cx="822960" cy="461665"/>
+          </a:xfrm>
+          <a:prstGeom prst="rect">
+            <a:avLst/>
+          </a:prstGeom>
+          <a:noFill/>
+        </p:spPr>
+        <p:txBody>
+          <a:bodyPr wrap="square" rtlCol="0">
+            <a:spAutoFit/>
+          </a:bodyPr>
+          <a:lstStyle/>
+          <a:p>
+            <a:r>
+              <a:rPr lang="pt-BR" sz="2400" dirty="0" smtClean="0"/>
+              <a:t>AND</a:t>
+            </a:r>
+            <a:endParaRPr lang="pt-BR" sz="2400" dirty="0"/>
+          </a:p>
+        </p:txBody>
+      </p:sp>
+      <p:cxnSp>
+        <p:nvCxnSpPr>
+          <p:cNvPr id="15" name="Conector de Seta Reta 14"/>
+          <p:cNvCxnSpPr/>
+          <p:nvPr/>
+        </p:nvCxnSpPr>
+        <p:spPr>
+          <a:xfrm flipV="1">
+            <a:off x="6935521" y="3629891"/>
+            <a:ext cx="0" cy="2318327"/>
+          </a:xfrm>
+          <a:prstGeom prst="straightConnector1">
+            <a:avLst/>
+          </a:prstGeom>
+          <a:ln w="19050">
+            <a:tailEnd type="triangle"/>
+          </a:ln>
+        </p:spPr>
+        <p:style>
+          <a:lnRef idx="1">
+            <a:schemeClr val="dk1"/>
+          </a:lnRef>
+          <a:fillRef idx="0">
+            <a:schemeClr val="dk1"/>
+          </a:fillRef>
+          <a:effectRef idx="0">
+            <a:schemeClr val="dk1"/>
+          </a:effectRef>
+          <a:fontRef idx="minor">
+            <a:schemeClr val="tx1"/>
+          </a:fontRef>
+        </p:style>
+      </p:cxnSp>
+      <p:cxnSp>
+        <p:nvCxnSpPr>
+          <p:cNvPr id="16" name="Conector de Seta Reta 15"/>
+          <p:cNvCxnSpPr/>
+          <p:nvPr/>
+        </p:nvCxnSpPr>
+        <p:spPr>
+          <a:xfrm>
+            <a:off x="6935521" y="5948218"/>
+            <a:ext cx="2626822" cy="0"/>
+          </a:xfrm>
+          <a:prstGeom prst="straightConnector1">
+            <a:avLst/>
+          </a:prstGeom>
+          <a:ln w="19050">
+            <a:tailEnd type="triangle"/>
+          </a:ln>
+        </p:spPr>
+        <p:style>
+          <a:lnRef idx="1">
+            <a:schemeClr val="dk1"/>
+          </a:lnRef>
+          <a:fillRef idx="0">
+            <a:schemeClr val="dk1"/>
+          </a:fillRef>
+          <a:effectRef idx="0">
+            <a:schemeClr val="dk1"/>
+          </a:effectRef>
+          <a:fontRef idx="minor">
+            <a:schemeClr val="tx1"/>
+          </a:fontRef>
+        </p:style>
+      </p:cxnSp>
+      <p:sp>
+        <p:nvSpPr>
+          <p:cNvPr id="17" name="CaixaDeTexto 16"/>
+          <p:cNvSpPr txBox="1"/>
+          <p:nvPr/>
+        </p:nvSpPr>
+        <p:spPr>
+          <a:xfrm>
+            <a:off x="7179823" y="5942676"/>
+            <a:ext cx="2565400" cy="369332"/>
+          </a:xfrm>
+          <a:prstGeom prst="rect">
+            <a:avLst/>
+          </a:prstGeom>
+          <a:noFill/>
+        </p:spPr>
+        <p:txBody>
+          <a:bodyPr wrap="square" rtlCol="0">
+            <a:spAutoFit/>
+          </a:bodyPr>
+          <a:lstStyle/>
+          <a:p>
+            <a:r>
+              <a:rPr lang="pt-BR" dirty="0" smtClean="0"/>
+              <a:t>0		1</a:t>
+            </a:r>
+            <a:endParaRPr lang="pt-BR" dirty="0"/>
+          </a:p>
+        </p:txBody>
+      </p:sp>
+      <p:sp>
+        <p:nvSpPr>
+          <p:cNvPr id="18" name="CaixaDeTexto 17"/>
+          <p:cNvSpPr txBox="1"/>
+          <p:nvPr/>
+        </p:nvSpPr>
+        <p:spPr>
+          <a:xfrm>
+            <a:off x="6478783" y="3773391"/>
+            <a:ext cx="279400" cy="2031325"/>
+          </a:xfrm>
+          <a:prstGeom prst="rect">
+            <a:avLst/>
+          </a:prstGeom>
+          <a:noFill/>
+        </p:spPr>
+        <p:txBody>
+          <a:bodyPr wrap="square" rtlCol="0">
+            <a:spAutoFit/>
+          </a:bodyPr>
+          <a:lstStyle/>
+          <a:p>
+            <a:r>
+              <a:rPr lang="pt-BR" dirty="0"/>
+              <a:t>1</a:t>
+            </a:r>
+            <a:endParaRPr lang="pt-BR" dirty="0" smtClean="0"/>
+          </a:p>
+          <a:p>
+            <a:endParaRPr lang="pt-BR" dirty="0"/>
+          </a:p>
+          <a:p>
+            <a:endParaRPr lang="pt-BR" dirty="0" smtClean="0"/>
+          </a:p>
+          <a:p>
+            <a:endParaRPr lang="pt-BR" dirty="0"/>
+          </a:p>
+          <a:p>
+            <a:endParaRPr lang="pt-BR" dirty="0" smtClean="0"/>
+          </a:p>
+          <a:p>
+            <a:endParaRPr lang="pt-BR" dirty="0"/>
+          </a:p>
+          <a:p>
+            <a:r>
+              <a:rPr lang="pt-BR" dirty="0"/>
+              <a:t>0</a:t>
+            </a:r>
+            <a:endParaRPr lang="pt-BR" dirty="0" smtClean="0"/>
+          </a:p>
+        </p:txBody>
+      </p:sp>
+      <p:sp>
+        <p:nvSpPr>
+          <p:cNvPr id="19" name="Elipse 18"/>
+          <p:cNvSpPr/>
+          <p:nvPr/>
+        </p:nvSpPr>
+        <p:spPr>
+          <a:xfrm>
+            <a:off x="7179823" y="5441727"/>
+            <a:ext cx="274320" cy="274320"/>
+          </a:xfrm>
+          <a:prstGeom prst="ellipse">
+            <a:avLst/>
+          </a:prstGeom>
+        </p:spPr>
+        <p:style>
+          <a:lnRef idx="2">
+            <a:schemeClr val="accent2">
+              <a:shade val="50000"/>
+            </a:schemeClr>
+          </a:lnRef>
+          <a:fillRef idx="1">
+            <a:schemeClr val="accent2"/>
+          </a:fillRef>
+          <a:effectRef idx="0">
+            <a:schemeClr val="accent2"/>
+          </a:effectRef>
+          <a:fontRef idx="minor">
+            <a:schemeClr val="lt1"/>
+          </a:fontRef>
+        </p:style>
+        <p:txBody>
+          <a:bodyPr rtlCol="0" anchor="ctr"/>
+          <a:lstStyle/>
+          <a:p>
+            <a:pPr algn="ctr"/>
+            <a:r>
+              <a:rPr lang="pt-BR" dirty="0" smtClean="0"/>
+              <a:t>0</a:t>
+            </a:r>
+            <a:endParaRPr lang="pt-BR" dirty="0"/>
+          </a:p>
+        </p:txBody>
+      </p:sp>
+      <p:sp>
+        <p:nvSpPr>
+          <p:cNvPr id="20" name="Elipse 19"/>
+          <p:cNvSpPr/>
+          <p:nvPr/>
+        </p:nvSpPr>
+        <p:spPr>
+          <a:xfrm>
+            <a:off x="9030456" y="5441727"/>
+            <a:ext cx="274320" cy="274320"/>
+          </a:xfrm>
+          <a:prstGeom prst="ellipse">
+            <a:avLst/>
+          </a:prstGeom>
+        </p:spPr>
+        <p:style>
+          <a:lnRef idx="2">
+            <a:schemeClr val="accent2">
+              <a:shade val="50000"/>
+            </a:schemeClr>
+          </a:lnRef>
+          <a:fillRef idx="1">
+            <a:schemeClr val="accent2"/>
+          </a:fillRef>
+          <a:effectRef idx="0">
+            <a:schemeClr val="accent2"/>
+          </a:effectRef>
+          <a:fontRef idx="minor">
+            <a:schemeClr val="lt1"/>
+          </a:fontRef>
+        </p:style>
+        <p:txBody>
+          <a:bodyPr rtlCol="0" anchor="ctr"/>
+          <a:lstStyle/>
+          <a:p>
+            <a:pPr algn="ctr"/>
+            <a:r>
+              <a:rPr lang="pt-BR" dirty="0" smtClean="0"/>
+              <a:t>1</a:t>
+            </a:r>
+            <a:endParaRPr lang="pt-BR" dirty="0"/>
+          </a:p>
+        </p:txBody>
+      </p:sp>
+      <p:sp>
+        <p:nvSpPr>
+          <p:cNvPr id="21" name="Elipse 20"/>
+          <p:cNvSpPr/>
+          <p:nvPr/>
+        </p:nvSpPr>
+        <p:spPr>
+          <a:xfrm>
+            <a:off x="7179823" y="3816004"/>
+            <a:ext cx="274320" cy="274320"/>
+          </a:xfrm>
+          <a:prstGeom prst="ellipse">
+            <a:avLst/>
+          </a:prstGeom>
+        </p:spPr>
+        <p:style>
+          <a:lnRef idx="2">
+            <a:schemeClr val="accent2">
+              <a:shade val="50000"/>
+            </a:schemeClr>
+          </a:lnRef>
+          <a:fillRef idx="1">
+            <a:schemeClr val="accent2"/>
+          </a:fillRef>
+          <a:effectRef idx="0">
+            <a:schemeClr val="accent2"/>
+          </a:effectRef>
+          <a:fontRef idx="minor">
+            <a:schemeClr val="lt1"/>
+          </a:fontRef>
+        </p:style>
+        <p:txBody>
+          <a:bodyPr rtlCol="0" anchor="ctr"/>
+          <a:lstStyle/>
+          <a:p>
+            <a:pPr algn="ctr"/>
+            <a:r>
+              <a:rPr lang="pt-BR" dirty="0" smtClean="0"/>
+              <a:t>1</a:t>
+            </a:r>
+            <a:endParaRPr lang="pt-BR" dirty="0"/>
+          </a:p>
+        </p:txBody>
+      </p:sp>
+      <p:sp>
+        <p:nvSpPr>
+          <p:cNvPr id="22" name="Elipse 21"/>
+          <p:cNvSpPr/>
+          <p:nvPr/>
+        </p:nvSpPr>
+        <p:spPr>
+          <a:xfrm>
+            <a:off x="9030456" y="3816004"/>
+            <a:ext cx="274320" cy="274320"/>
+          </a:xfrm>
+          <a:prstGeom prst="ellipse">
+            <a:avLst/>
+          </a:prstGeom>
+        </p:spPr>
+        <p:style>
+          <a:lnRef idx="2">
+            <a:schemeClr val="accent2">
+              <a:shade val="50000"/>
+            </a:schemeClr>
+          </a:lnRef>
+          <a:fillRef idx="1">
+            <a:schemeClr val="accent2"/>
+          </a:fillRef>
+          <a:effectRef idx="0">
+            <a:schemeClr val="accent2"/>
+          </a:effectRef>
+          <a:fontRef idx="minor">
+            <a:schemeClr val="lt1"/>
+          </a:fontRef>
+        </p:style>
+        <p:txBody>
+          <a:bodyPr rtlCol="0" anchor="ctr"/>
+          <a:lstStyle/>
+          <a:p>
+            <a:pPr algn="ctr"/>
+            <a:r>
+              <a:rPr lang="pt-BR" dirty="0" smtClean="0"/>
+              <a:t>0</a:t>
+            </a:r>
+            <a:endParaRPr lang="pt-BR" dirty="0"/>
+          </a:p>
+        </p:txBody>
+      </p:sp>
+      <p:sp>
+        <p:nvSpPr>
+          <p:cNvPr id="23" name="CaixaDeTexto 22"/>
+          <p:cNvSpPr txBox="1"/>
+          <p:nvPr/>
+        </p:nvSpPr>
+        <p:spPr>
+          <a:xfrm>
+            <a:off x="5935223" y="4373880"/>
+            <a:ext cx="822960" cy="461665"/>
+          </a:xfrm>
+          <a:prstGeom prst="rect">
+            <a:avLst/>
+          </a:prstGeom>
+          <a:noFill/>
+        </p:spPr>
+        <p:txBody>
+          <a:bodyPr wrap="square" rtlCol="0">
+            <a:spAutoFit/>
+          </a:bodyPr>
+          <a:lstStyle/>
+          <a:p>
+            <a:r>
+              <a:rPr lang="pt-BR" sz="2400" dirty="0" smtClean="0"/>
+              <a:t>XOR</a:t>
+            </a:r>
+            <a:endParaRPr lang="pt-BR" sz="2400" dirty="0"/>
+          </a:p>
+        </p:txBody>
+      </p:sp>
+      <p:cxnSp>
+        <p:nvCxnSpPr>
+          <p:cNvPr id="25" name="Conector reto 24"/>
+          <p:cNvCxnSpPr/>
+          <p:nvPr/>
+        </p:nvCxnSpPr>
+        <p:spPr>
+          <a:xfrm flipH="1" flipV="1">
+            <a:off x="1127394" y="3304156"/>
+            <a:ext cx="3423593" cy="2635749"/>
+          </a:xfrm>
+          <a:prstGeom prst="line">
+            <a:avLst/>
+          </a:prstGeom>
+          <a:ln>
+            <a:solidFill>
+              <a:srgbClr val="FF0000"/>
+            </a:solidFill>
+          </a:ln>
+        </p:spPr>
+        <p:style>
+          <a:lnRef idx="3">
+            <a:schemeClr val="accent4"/>
+          </a:lnRef>
+          <a:fillRef idx="0">
+            <a:schemeClr val="accent4"/>
+          </a:fillRef>
+          <a:effectRef idx="2">
+            <a:schemeClr val="accent4"/>
+          </a:effectRef>
+          <a:fontRef idx="minor">
+            <a:schemeClr val="tx1"/>
+          </a:fontRef>
+        </p:style>
+      </p:cxnSp>
+      <p:cxnSp>
+        <p:nvCxnSpPr>
+          <p:cNvPr id="26" name="Conector reto 25"/>
+          <p:cNvCxnSpPr/>
+          <p:nvPr/>
+        </p:nvCxnSpPr>
+        <p:spPr>
+          <a:xfrm flipH="1" flipV="1">
+            <a:off x="5935223" y="4061538"/>
+            <a:ext cx="4076996" cy="1203189"/>
+          </a:xfrm>
+          <a:prstGeom prst="line">
+            <a:avLst/>
+          </a:prstGeom>
+          <a:ln>
+            <a:solidFill>
+              <a:srgbClr val="FF0000"/>
+            </a:solidFill>
+          </a:ln>
+        </p:spPr>
+        <p:style>
+          <a:lnRef idx="3">
+            <a:schemeClr val="accent4"/>
+          </a:lnRef>
+          <a:fillRef idx="0">
+            <a:schemeClr val="accent4"/>
+          </a:fillRef>
+          <a:effectRef idx="2">
+            <a:schemeClr val="accent4"/>
+          </a:effectRef>
+          <a:fontRef idx="minor">
+            <a:schemeClr val="tx1"/>
+          </a:fontRef>
+        </p:style>
+      </p:cxnSp>
+      <p:sp>
+        <p:nvSpPr>
+          <p:cNvPr id="30" name="Multiplicar 29"/>
+          <p:cNvSpPr/>
+          <p:nvPr/>
+        </p:nvSpPr>
+        <p:spPr>
+          <a:xfrm>
+            <a:off x="8175534" y="4456599"/>
+            <a:ext cx="692727" cy="660015"/>
+          </a:xfrm>
+          <a:prstGeom prst="mathMultiply">
+            <a:avLst/>
+          </a:prstGeom>
+          <a:solidFill>
+            <a:srgbClr val="FF0000"/>
+          </a:solidFill>
+          <a:ln>
+            <a:solidFill>
+              <a:schemeClr val="tx1"/>
+            </a:solidFill>
+          </a:ln>
+        </p:spPr>
+        <p:style>
+          <a:lnRef idx="2">
+            <a:schemeClr val="accent1">
+              <a:shade val="50000"/>
+            </a:schemeClr>
+          </a:lnRef>
+          <a:fillRef idx="1">
+            <a:schemeClr val="accent1"/>
+          </a:fillRef>
+          <a:effectRef idx="0">
+            <a:schemeClr val="accent1"/>
+          </a:effectRef>
+          <a:fontRef idx="minor">
+            <a:schemeClr val="lt1"/>
+          </a:fontRef>
+        </p:style>
+        <p:txBody>
+          <a:bodyPr rtlCol="0" anchor="ctr"/>
+          <a:lstStyle/>
+          <a:p>
+            <a:pPr algn="ctr"/>
+            <a:endParaRPr lang="pt-BR"/>
+          </a:p>
+        </p:txBody>
+      </p:sp>
+      <p:cxnSp>
+        <p:nvCxnSpPr>
+          <p:cNvPr id="31" name="Conector reto 30"/>
+          <p:cNvCxnSpPr/>
+          <p:nvPr/>
+        </p:nvCxnSpPr>
+        <p:spPr>
+          <a:xfrm flipH="1">
+            <a:off x="7363564" y="3907820"/>
+            <a:ext cx="2825993" cy="2417588"/>
+          </a:xfrm>
+          <a:prstGeom prst="line">
+            <a:avLst/>
+          </a:prstGeom>
+          <a:ln>
+            <a:solidFill>
+              <a:srgbClr val="FF0000"/>
+            </a:solidFill>
+          </a:ln>
+        </p:spPr>
+        <p:style>
+          <a:lnRef idx="3">
+            <a:schemeClr val="accent4"/>
+          </a:lnRef>
+          <a:fillRef idx="0">
+            <a:schemeClr val="accent4"/>
+          </a:fillRef>
+          <a:effectRef idx="2">
+            <a:schemeClr val="accent4"/>
+          </a:effectRef>
+          <a:fontRef idx="minor">
+            <a:schemeClr val="tx1"/>
+          </a:fontRef>
+        </p:style>
+      </p:cxnSp>
+      <p:cxnSp>
+        <p:nvCxnSpPr>
+          <p:cNvPr id="34" name="Conector reto 33"/>
+          <p:cNvCxnSpPr/>
+          <p:nvPr/>
+        </p:nvCxnSpPr>
+        <p:spPr>
+          <a:xfrm flipH="1">
+            <a:off x="6262255" y="3442891"/>
+            <a:ext cx="3300088" cy="1490237"/>
+          </a:xfrm>
+          <a:prstGeom prst="line">
+            <a:avLst/>
+          </a:prstGeom>
+          <a:ln>
+            <a:solidFill>
+              <a:srgbClr val="FF0000"/>
+            </a:solidFill>
+          </a:ln>
+        </p:spPr>
+        <p:style>
+          <a:lnRef idx="3">
+            <a:schemeClr val="accent4"/>
+          </a:lnRef>
+          <a:fillRef idx="0">
+            <a:schemeClr val="accent4"/>
+          </a:fillRef>
+          <a:effectRef idx="2">
+            <a:schemeClr val="accent4"/>
+          </a:effectRef>
+          <a:fontRef idx="minor">
+            <a:schemeClr val="tx1"/>
+          </a:fontRef>
+        </p:style>
+      </p:cxnSp>
+      <p:sp>
+        <p:nvSpPr>
+          <p:cNvPr id="42" name="Elipse 41"/>
+          <p:cNvSpPr/>
+          <p:nvPr/>
+        </p:nvSpPr>
+        <p:spPr>
+          <a:xfrm rot="19239533">
+            <a:off x="6646199" y="4259579"/>
+            <a:ext cx="3227097" cy="1054056"/>
+          </a:xfrm>
+          <a:prstGeom prst="ellipse">
+            <a:avLst/>
+          </a:prstGeom>
+          <a:noFill/>
+          <a:ln w="28575">
+            <a:solidFill>
+              <a:srgbClr val="FF0000"/>
+            </a:solidFill>
+          </a:ln>
+        </p:spPr>
+        <p:style>
+          <a:lnRef idx="1">
+            <a:schemeClr val="accent2"/>
+          </a:lnRef>
+          <a:fillRef idx="3">
+            <a:schemeClr val="accent2"/>
+          </a:fillRef>
+          <a:effectRef idx="2">
+            <a:schemeClr val="accent2"/>
+          </a:effectRef>
+          <a:fontRef idx="minor">
+            <a:schemeClr val="lt1"/>
+          </a:fontRef>
+        </p:style>
+        <p:txBody>
+          <a:bodyPr rtlCol="0" anchor="ctr"/>
+          <a:lstStyle/>
+          <a:p>
+            <a:pPr algn="ctr"/>
+            <a:endParaRPr lang="pt-BR"/>
           </a:p>
         </p:txBody>
       </p:sp>
@@ -23044,9 +24051,1891 @@
   <p:timing>
     <p:tnLst>
       <p:par>
-        <p:cTn id="1" dur="indefinite" restart="never" nodeType="tmRoot"/>
+        <p:cTn id="1" dur="indefinite" restart="never" nodeType="tmRoot">
+          <p:childTnLst>
+            <p:seq concurrent="1" nextAc="seek">
+              <p:cTn id="2" dur="indefinite" nodeType="mainSeq">
+                <p:childTnLst>
+                  <p:par>
+                    <p:cTn id="3" fill="hold">
+                      <p:stCondLst>
+                        <p:cond delay="indefinite"/>
+                      </p:stCondLst>
+                      <p:childTnLst>
+                        <p:par>
+                          <p:cTn id="4" fill="hold">
+                            <p:stCondLst>
+                              <p:cond delay="0"/>
+                            </p:stCondLst>
+                            <p:childTnLst>
+                              <p:par>
+                                <p:cTn id="5" presetID="2" presetClass="entr" presetSubtype="4" fill="hold" nodeType="clickEffect">
+                                  <p:stCondLst>
+                                    <p:cond delay="0"/>
+                                  </p:stCondLst>
+                                  <p:childTnLst>
+                                    <p:set>
+                                      <p:cBhvr>
+                                        <p:cTn id="6" dur="1" fill="hold">
+                                          <p:stCondLst>
+                                            <p:cond delay="0"/>
+                                          </p:stCondLst>
+                                        </p:cTn>
+                                        <p:tgtEl>
+                                          <p:spTgt spid="5"/>
+                                        </p:tgtEl>
+                                        <p:attrNameLst>
+                                          <p:attrName>style.visibility</p:attrName>
+                                        </p:attrNameLst>
+                                      </p:cBhvr>
+                                      <p:to>
+                                        <p:strVal val="visible"/>
+                                      </p:to>
+                                    </p:set>
+                                    <p:anim calcmode="lin" valueType="num">
+                                      <p:cBhvr additive="base">
+                                        <p:cTn id="7" dur="500" fill="hold"/>
+                                        <p:tgtEl>
+                                          <p:spTgt spid="5"/>
+                                        </p:tgtEl>
+                                        <p:attrNameLst>
+                                          <p:attrName>ppt_x</p:attrName>
+                                        </p:attrNameLst>
+                                      </p:cBhvr>
+                                      <p:tavLst>
+                                        <p:tav tm="0">
+                                          <p:val>
+                                            <p:strVal val="#ppt_x"/>
+                                          </p:val>
+                                        </p:tav>
+                                        <p:tav tm="100000">
+                                          <p:val>
+                                            <p:strVal val="#ppt_x"/>
+                                          </p:val>
+                                        </p:tav>
+                                      </p:tavLst>
+                                    </p:anim>
+                                    <p:anim calcmode="lin" valueType="num">
+                                      <p:cBhvr additive="base">
+                                        <p:cTn id="8" dur="500" fill="hold"/>
+                                        <p:tgtEl>
+                                          <p:spTgt spid="5"/>
+                                        </p:tgtEl>
+                                        <p:attrNameLst>
+                                          <p:attrName>ppt_y</p:attrName>
+                                        </p:attrNameLst>
+                                      </p:cBhvr>
+                                      <p:tavLst>
+                                        <p:tav tm="0">
+                                          <p:val>
+                                            <p:strVal val="1+#ppt_h/2"/>
+                                          </p:val>
+                                        </p:tav>
+                                        <p:tav tm="100000">
+                                          <p:val>
+                                            <p:strVal val="#ppt_y"/>
+                                          </p:val>
+                                        </p:tav>
+                                      </p:tavLst>
+                                    </p:anim>
+                                  </p:childTnLst>
+                                </p:cTn>
+                              </p:par>
+                              <p:par>
+                                <p:cTn id="9" presetID="2" presetClass="entr" presetSubtype="4" fill="hold" nodeType="withEffect">
+                                  <p:stCondLst>
+                                    <p:cond delay="0"/>
+                                  </p:stCondLst>
+                                  <p:childTnLst>
+                                    <p:set>
+                                      <p:cBhvr>
+                                        <p:cTn id="10" dur="1" fill="hold">
+                                          <p:stCondLst>
+                                            <p:cond delay="0"/>
+                                          </p:stCondLst>
+                                        </p:cTn>
+                                        <p:tgtEl>
+                                          <p:spTgt spid="7"/>
+                                        </p:tgtEl>
+                                        <p:attrNameLst>
+                                          <p:attrName>style.visibility</p:attrName>
+                                        </p:attrNameLst>
+                                      </p:cBhvr>
+                                      <p:to>
+                                        <p:strVal val="visible"/>
+                                      </p:to>
+                                    </p:set>
+                                    <p:anim calcmode="lin" valueType="num">
+                                      <p:cBhvr additive="base">
+                                        <p:cTn id="11" dur="500" fill="hold"/>
+                                        <p:tgtEl>
+                                          <p:spTgt spid="7"/>
+                                        </p:tgtEl>
+                                        <p:attrNameLst>
+                                          <p:attrName>ppt_x</p:attrName>
+                                        </p:attrNameLst>
+                                      </p:cBhvr>
+                                      <p:tavLst>
+                                        <p:tav tm="0">
+                                          <p:val>
+                                            <p:strVal val="#ppt_x"/>
+                                          </p:val>
+                                        </p:tav>
+                                        <p:tav tm="100000">
+                                          <p:val>
+                                            <p:strVal val="#ppt_x"/>
+                                          </p:val>
+                                        </p:tav>
+                                      </p:tavLst>
+                                    </p:anim>
+                                    <p:anim calcmode="lin" valueType="num">
+                                      <p:cBhvr additive="base">
+                                        <p:cTn id="12" dur="500" fill="hold"/>
+                                        <p:tgtEl>
+                                          <p:spTgt spid="7"/>
+                                        </p:tgtEl>
+                                        <p:attrNameLst>
+                                          <p:attrName>ppt_y</p:attrName>
+                                        </p:attrNameLst>
+                                      </p:cBhvr>
+                                      <p:tavLst>
+                                        <p:tav tm="0">
+                                          <p:val>
+                                            <p:strVal val="1+#ppt_h/2"/>
+                                          </p:val>
+                                        </p:tav>
+                                        <p:tav tm="100000">
+                                          <p:val>
+                                            <p:strVal val="#ppt_y"/>
+                                          </p:val>
+                                        </p:tav>
+                                      </p:tavLst>
+                                    </p:anim>
+                                  </p:childTnLst>
+                                </p:cTn>
+                              </p:par>
+                              <p:par>
+                                <p:cTn id="13" presetID="2" presetClass="entr" presetSubtype="4" fill="hold" grpId="0" nodeType="withEffect">
+                                  <p:stCondLst>
+                                    <p:cond delay="0"/>
+                                  </p:stCondLst>
+                                  <p:childTnLst>
+                                    <p:set>
+                                      <p:cBhvr>
+                                        <p:cTn id="14" dur="1" fill="hold">
+                                          <p:stCondLst>
+                                            <p:cond delay="0"/>
+                                          </p:stCondLst>
+                                        </p:cTn>
+                                        <p:tgtEl>
+                                          <p:spTgt spid="8"/>
+                                        </p:tgtEl>
+                                        <p:attrNameLst>
+                                          <p:attrName>style.visibility</p:attrName>
+                                        </p:attrNameLst>
+                                      </p:cBhvr>
+                                      <p:to>
+                                        <p:strVal val="visible"/>
+                                      </p:to>
+                                    </p:set>
+                                    <p:anim calcmode="lin" valueType="num">
+                                      <p:cBhvr additive="base">
+                                        <p:cTn id="15" dur="500" fill="hold"/>
+                                        <p:tgtEl>
+                                          <p:spTgt spid="8"/>
+                                        </p:tgtEl>
+                                        <p:attrNameLst>
+                                          <p:attrName>ppt_x</p:attrName>
+                                        </p:attrNameLst>
+                                      </p:cBhvr>
+                                      <p:tavLst>
+                                        <p:tav tm="0">
+                                          <p:val>
+                                            <p:strVal val="#ppt_x"/>
+                                          </p:val>
+                                        </p:tav>
+                                        <p:tav tm="100000">
+                                          <p:val>
+                                            <p:strVal val="#ppt_x"/>
+                                          </p:val>
+                                        </p:tav>
+                                      </p:tavLst>
+                                    </p:anim>
+                                    <p:anim calcmode="lin" valueType="num">
+                                      <p:cBhvr additive="base">
+                                        <p:cTn id="16" dur="500" fill="hold"/>
+                                        <p:tgtEl>
+                                          <p:spTgt spid="8"/>
+                                        </p:tgtEl>
+                                        <p:attrNameLst>
+                                          <p:attrName>ppt_y</p:attrName>
+                                        </p:attrNameLst>
+                                      </p:cBhvr>
+                                      <p:tavLst>
+                                        <p:tav tm="0">
+                                          <p:val>
+                                            <p:strVal val="1+#ppt_h/2"/>
+                                          </p:val>
+                                        </p:tav>
+                                        <p:tav tm="100000">
+                                          <p:val>
+                                            <p:strVal val="#ppt_y"/>
+                                          </p:val>
+                                        </p:tav>
+                                      </p:tavLst>
+                                    </p:anim>
+                                  </p:childTnLst>
+                                </p:cTn>
+                              </p:par>
+                              <p:par>
+                                <p:cTn id="17" presetID="2" presetClass="entr" presetSubtype="4" fill="hold" grpId="0" nodeType="withEffect">
+                                  <p:stCondLst>
+                                    <p:cond delay="0"/>
+                                  </p:stCondLst>
+                                  <p:childTnLst>
+                                    <p:set>
+                                      <p:cBhvr>
+                                        <p:cTn id="18" dur="1" fill="hold">
+                                          <p:stCondLst>
+                                            <p:cond delay="0"/>
+                                          </p:stCondLst>
+                                        </p:cTn>
+                                        <p:tgtEl>
+                                          <p:spTgt spid="9"/>
+                                        </p:tgtEl>
+                                        <p:attrNameLst>
+                                          <p:attrName>style.visibility</p:attrName>
+                                        </p:attrNameLst>
+                                      </p:cBhvr>
+                                      <p:to>
+                                        <p:strVal val="visible"/>
+                                      </p:to>
+                                    </p:set>
+                                    <p:anim calcmode="lin" valueType="num">
+                                      <p:cBhvr additive="base">
+                                        <p:cTn id="19" dur="500" fill="hold"/>
+                                        <p:tgtEl>
+                                          <p:spTgt spid="9"/>
+                                        </p:tgtEl>
+                                        <p:attrNameLst>
+                                          <p:attrName>ppt_x</p:attrName>
+                                        </p:attrNameLst>
+                                      </p:cBhvr>
+                                      <p:tavLst>
+                                        <p:tav tm="0">
+                                          <p:val>
+                                            <p:strVal val="#ppt_x"/>
+                                          </p:val>
+                                        </p:tav>
+                                        <p:tav tm="100000">
+                                          <p:val>
+                                            <p:strVal val="#ppt_x"/>
+                                          </p:val>
+                                        </p:tav>
+                                      </p:tavLst>
+                                    </p:anim>
+                                    <p:anim calcmode="lin" valueType="num">
+                                      <p:cBhvr additive="base">
+                                        <p:cTn id="20" dur="500" fill="hold"/>
+                                        <p:tgtEl>
+                                          <p:spTgt spid="9"/>
+                                        </p:tgtEl>
+                                        <p:attrNameLst>
+                                          <p:attrName>ppt_y</p:attrName>
+                                        </p:attrNameLst>
+                                      </p:cBhvr>
+                                      <p:tavLst>
+                                        <p:tav tm="0">
+                                          <p:val>
+                                            <p:strVal val="1+#ppt_h/2"/>
+                                          </p:val>
+                                        </p:tav>
+                                        <p:tav tm="100000">
+                                          <p:val>
+                                            <p:strVal val="#ppt_y"/>
+                                          </p:val>
+                                        </p:tav>
+                                      </p:tavLst>
+                                    </p:anim>
+                                  </p:childTnLst>
+                                </p:cTn>
+                              </p:par>
+                              <p:par>
+                                <p:cTn id="21" presetID="2" presetClass="entr" presetSubtype="4" fill="hold" grpId="0" nodeType="withEffect">
+                                  <p:stCondLst>
+                                    <p:cond delay="0"/>
+                                  </p:stCondLst>
+                                  <p:childTnLst>
+                                    <p:set>
+                                      <p:cBhvr>
+                                        <p:cTn id="22" dur="1" fill="hold">
+                                          <p:stCondLst>
+                                            <p:cond delay="0"/>
+                                          </p:stCondLst>
+                                        </p:cTn>
+                                        <p:tgtEl>
+                                          <p:spTgt spid="10"/>
+                                        </p:tgtEl>
+                                        <p:attrNameLst>
+                                          <p:attrName>style.visibility</p:attrName>
+                                        </p:attrNameLst>
+                                      </p:cBhvr>
+                                      <p:to>
+                                        <p:strVal val="visible"/>
+                                      </p:to>
+                                    </p:set>
+                                    <p:anim calcmode="lin" valueType="num">
+                                      <p:cBhvr additive="base">
+                                        <p:cTn id="23" dur="500" fill="hold"/>
+                                        <p:tgtEl>
+                                          <p:spTgt spid="10"/>
+                                        </p:tgtEl>
+                                        <p:attrNameLst>
+                                          <p:attrName>ppt_x</p:attrName>
+                                        </p:attrNameLst>
+                                      </p:cBhvr>
+                                      <p:tavLst>
+                                        <p:tav tm="0">
+                                          <p:val>
+                                            <p:strVal val="#ppt_x"/>
+                                          </p:val>
+                                        </p:tav>
+                                        <p:tav tm="100000">
+                                          <p:val>
+                                            <p:strVal val="#ppt_x"/>
+                                          </p:val>
+                                        </p:tav>
+                                      </p:tavLst>
+                                    </p:anim>
+                                    <p:anim calcmode="lin" valueType="num">
+                                      <p:cBhvr additive="base">
+                                        <p:cTn id="24" dur="500" fill="hold"/>
+                                        <p:tgtEl>
+                                          <p:spTgt spid="10"/>
+                                        </p:tgtEl>
+                                        <p:attrNameLst>
+                                          <p:attrName>ppt_y</p:attrName>
+                                        </p:attrNameLst>
+                                      </p:cBhvr>
+                                      <p:tavLst>
+                                        <p:tav tm="0">
+                                          <p:val>
+                                            <p:strVal val="1+#ppt_h/2"/>
+                                          </p:val>
+                                        </p:tav>
+                                        <p:tav tm="100000">
+                                          <p:val>
+                                            <p:strVal val="#ppt_y"/>
+                                          </p:val>
+                                        </p:tav>
+                                      </p:tavLst>
+                                    </p:anim>
+                                  </p:childTnLst>
+                                </p:cTn>
+                              </p:par>
+                              <p:par>
+                                <p:cTn id="25" presetID="2" presetClass="entr" presetSubtype="4" fill="hold" grpId="0" nodeType="withEffect">
+                                  <p:stCondLst>
+                                    <p:cond delay="0"/>
+                                  </p:stCondLst>
+                                  <p:childTnLst>
+                                    <p:set>
+                                      <p:cBhvr>
+                                        <p:cTn id="26" dur="1" fill="hold">
+                                          <p:stCondLst>
+                                            <p:cond delay="0"/>
+                                          </p:stCondLst>
+                                        </p:cTn>
+                                        <p:tgtEl>
+                                          <p:spTgt spid="11"/>
+                                        </p:tgtEl>
+                                        <p:attrNameLst>
+                                          <p:attrName>style.visibility</p:attrName>
+                                        </p:attrNameLst>
+                                      </p:cBhvr>
+                                      <p:to>
+                                        <p:strVal val="visible"/>
+                                      </p:to>
+                                    </p:set>
+                                    <p:anim calcmode="lin" valueType="num">
+                                      <p:cBhvr additive="base">
+                                        <p:cTn id="27" dur="500" fill="hold"/>
+                                        <p:tgtEl>
+                                          <p:spTgt spid="11"/>
+                                        </p:tgtEl>
+                                        <p:attrNameLst>
+                                          <p:attrName>ppt_x</p:attrName>
+                                        </p:attrNameLst>
+                                      </p:cBhvr>
+                                      <p:tavLst>
+                                        <p:tav tm="0">
+                                          <p:val>
+                                            <p:strVal val="#ppt_x"/>
+                                          </p:val>
+                                        </p:tav>
+                                        <p:tav tm="100000">
+                                          <p:val>
+                                            <p:strVal val="#ppt_x"/>
+                                          </p:val>
+                                        </p:tav>
+                                      </p:tavLst>
+                                    </p:anim>
+                                    <p:anim calcmode="lin" valueType="num">
+                                      <p:cBhvr additive="base">
+                                        <p:cTn id="28" dur="500" fill="hold"/>
+                                        <p:tgtEl>
+                                          <p:spTgt spid="11"/>
+                                        </p:tgtEl>
+                                        <p:attrNameLst>
+                                          <p:attrName>ppt_y</p:attrName>
+                                        </p:attrNameLst>
+                                      </p:cBhvr>
+                                      <p:tavLst>
+                                        <p:tav tm="0">
+                                          <p:val>
+                                            <p:strVal val="1+#ppt_h/2"/>
+                                          </p:val>
+                                        </p:tav>
+                                        <p:tav tm="100000">
+                                          <p:val>
+                                            <p:strVal val="#ppt_y"/>
+                                          </p:val>
+                                        </p:tav>
+                                      </p:tavLst>
+                                    </p:anim>
+                                  </p:childTnLst>
+                                </p:cTn>
+                              </p:par>
+                              <p:par>
+                                <p:cTn id="29" presetID="2" presetClass="entr" presetSubtype="4" fill="hold" grpId="0" nodeType="withEffect">
+                                  <p:stCondLst>
+                                    <p:cond delay="0"/>
+                                  </p:stCondLst>
+                                  <p:childTnLst>
+                                    <p:set>
+                                      <p:cBhvr>
+                                        <p:cTn id="30" dur="1" fill="hold">
+                                          <p:stCondLst>
+                                            <p:cond delay="0"/>
+                                          </p:stCondLst>
+                                        </p:cTn>
+                                        <p:tgtEl>
+                                          <p:spTgt spid="12"/>
+                                        </p:tgtEl>
+                                        <p:attrNameLst>
+                                          <p:attrName>style.visibility</p:attrName>
+                                        </p:attrNameLst>
+                                      </p:cBhvr>
+                                      <p:to>
+                                        <p:strVal val="visible"/>
+                                      </p:to>
+                                    </p:set>
+                                    <p:anim calcmode="lin" valueType="num">
+                                      <p:cBhvr additive="base">
+                                        <p:cTn id="31" dur="500" fill="hold"/>
+                                        <p:tgtEl>
+                                          <p:spTgt spid="12"/>
+                                        </p:tgtEl>
+                                        <p:attrNameLst>
+                                          <p:attrName>ppt_x</p:attrName>
+                                        </p:attrNameLst>
+                                      </p:cBhvr>
+                                      <p:tavLst>
+                                        <p:tav tm="0">
+                                          <p:val>
+                                            <p:strVal val="#ppt_x"/>
+                                          </p:val>
+                                        </p:tav>
+                                        <p:tav tm="100000">
+                                          <p:val>
+                                            <p:strVal val="#ppt_x"/>
+                                          </p:val>
+                                        </p:tav>
+                                      </p:tavLst>
+                                    </p:anim>
+                                    <p:anim calcmode="lin" valueType="num">
+                                      <p:cBhvr additive="base">
+                                        <p:cTn id="32" dur="500" fill="hold"/>
+                                        <p:tgtEl>
+                                          <p:spTgt spid="12"/>
+                                        </p:tgtEl>
+                                        <p:attrNameLst>
+                                          <p:attrName>ppt_y</p:attrName>
+                                        </p:attrNameLst>
+                                      </p:cBhvr>
+                                      <p:tavLst>
+                                        <p:tav tm="0">
+                                          <p:val>
+                                            <p:strVal val="1+#ppt_h/2"/>
+                                          </p:val>
+                                        </p:tav>
+                                        <p:tav tm="100000">
+                                          <p:val>
+                                            <p:strVal val="#ppt_y"/>
+                                          </p:val>
+                                        </p:tav>
+                                      </p:tavLst>
+                                    </p:anim>
+                                  </p:childTnLst>
+                                </p:cTn>
+                              </p:par>
+                              <p:par>
+                                <p:cTn id="33" presetID="2" presetClass="entr" presetSubtype="4" fill="hold" grpId="0" nodeType="withEffect">
+                                  <p:stCondLst>
+                                    <p:cond delay="0"/>
+                                  </p:stCondLst>
+                                  <p:childTnLst>
+                                    <p:set>
+                                      <p:cBhvr>
+                                        <p:cTn id="34" dur="1" fill="hold">
+                                          <p:stCondLst>
+                                            <p:cond delay="0"/>
+                                          </p:stCondLst>
+                                        </p:cTn>
+                                        <p:tgtEl>
+                                          <p:spTgt spid="13"/>
+                                        </p:tgtEl>
+                                        <p:attrNameLst>
+                                          <p:attrName>style.visibility</p:attrName>
+                                        </p:attrNameLst>
+                                      </p:cBhvr>
+                                      <p:to>
+                                        <p:strVal val="visible"/>
+                                      </p:to>
+                                    </p:set>
+                                    <p:anim calcmode="lin" valueType="num">
+                                      <p:cBhvr additive="base">
+                                        <p:cTn id="35" dur="500" fill="hold"/>
+                                        <p:tgtEl>
+                                          <p:spTgt spid="13"/>
+                                        </p:tgtEl>
+                                        <p:attrNameLst>
+                                          <p:attrName>ppt_x</p:attrName>
+                                        </p:attrNameLst>
+                                      </p:cBhvr>
+                                      <p:tavLst>
+                                        <p:tav tm="0">
+                                          <p:val>
+                                            <p:strVal val="#ppt_x"/>
+                                          </p:val>
+                                        </p:tav>
+                                        <p:tav tm="100000">
+                                          <p:val>
+                                            <p:strVal val="#ppt_x"/>
+                                          </p:val>
+                                        </p:tav>
+                                      </p:tavLst>
+                                    </p:anim>
+                                    <p:anim calcmode="lin" valueType="num">
+                                      <p:cBhvr additive="base">
+                                        <p:cTn id="36" dur="500" fill="hold"/>
+                                        <p:tgtEl>
+                                          <p:spTgt spid="13"/>
+                                        </p:tgtEl>
+                                        <p:attrNameLst>
+                                          <p:attrName>ppt_y</p:attrName>
+                                        </p:attrNameLst>
+                                      </p:cBhvr>
+                                      <p:tavLst>
+                                        <p:tav tm="0">
+                                          <p:val>
+                                            <p:strVal val="1+#ppt_h/2"/>
+                                          </p:val>
+                                        </p:tav>
+                                        <p:tav tm="100000">
+                                          <p:val>
+                                            <p:strVal val="#ppt_y"/>
+                                          </p:val>
+                                        </p:tav>
+                                      </p:tavLst>
+                                    </p:anim>
+                                  </p:childTnLst>
+                                </p:cTn>
+                              </p:par>
+                              <p:par>
+                                <p:cTn id="37" presetID="2" presetClass="entr" presetSubtype="4" fill="hold" grpId="0" nodeType="withEffect">
+                                  <p:stCondLst>
+                                    <p:cond delay="0"/>
+                                  </p:stCondLst>
+                                  <p:childTnLst>
+                                    <p:set>
+                                      <p:cBhvr>
+                                        <p:cTn id="38" dur="1" fill="hold">
+                                          <p:stCondLst>
+                                            <p:cond delay="0"/>
+                                          </p:stCondLst>
+                                        </p:cTn>
+                                        <p:tgtEl>
+                                          <p:spTgt spid="14"/>
+                                        </p:tgtEl>
+                                        <p:attrNameLst>
+                                          <p:attrName>style.visibility</p:attrName>
+                                        </p:attrNameLst>
+                                      </p:cBhvr>
+                                      <p:to>
+                                        <p:strVal val="visible"/>
+                                      </p:to>
+                                    </p:set>
+                                    <p:anim calcmode="lin" valueType="num">
+                                      <p:cBhvr additive="base">
+                                        <p:cTn id="39" dur="500" fill="hold"/>
+                                        <p:tgtEl>
+                                          <p:spTgt spid="14"/>
+                                        </p:tgtEl>
+                                        <p:attrNameLst>
+                                          <p:attrName>ppt_x</p:attrName>
+                                        </p:attrNameLst>
+                                      </p:cBhvr>
+                                      <p:tavLst>
+                                        <p:tav tm="0">
+                                          <p:val>
+                                            <p:strVal val="#ppt_x"/>
+                                          </p:val>
+                                        </p:tav>
+                                        <p:tav tm="100000">
+                                          <p:val>
+                                            <p:strVal val="#ppt_x"/>
+                                          </p:val>
+                                        </p:tav>
+                                      </p:tavLst>
+                                    </p:anim>
+                                    <p:anim calcmode="lin" valueType="num">
+                                      <p:cBhvr additive="base">
+                                        <p:cTn id="40" dur="500" fill="hold"/>
+                                        <p:tgtEl>
+                                          <p:spTgt spid="14"/>
+                                        </p:tgtEl>
+                                        <p:attrNameLst>
+                                          <p:attrName>ppt_y</p:attrName>
+                                        </p:attrNameLst>
+                                      </p:cBhvr>
+                                      <p:tavLst>
+                                        <p:tav tm="0">
+                                          <p:val>
+                                            <p:strVal val="1+#ppt_h/2"/>
+                                          </p:val>
+                                        </p:tav>
+                                        <p:tav tm="100000">
+                                          <p:val>
+                                            <p:strVal val="#ppt_y"/>
+                                          </p:val>
+                                        </p:tav>
+                                      </p:tavLst>
+                                    </p:anim>
+                                  </p:childTnLst>
+                                </p:cTn>
+                              </p:par>
+                            </p:childTnLst>
+                          </p:cTn>
+                        </p:par>
+                      </p:childTnLst>
+                    </p:cTn>
+                  </p:par>
+                  <p:par>
+                    <p:cTn id="41" fill="hold">
+                      <p:stCondLst>
+                        <p:cond delay="indefinite"/>
+                      </p:stCondLst>
+                      <p:childTnLst>
+                        <p:par>
+                          <p:cTn id="42" fill="hold">
+                            <p:stCondLst>
+                              <p:cond delay="0"/>
+                            </p:stCondLst>
+                            <p:childTnLst>
+                              <p:par>
+                                <p:cTn id="43" presetID="10" presetClass="entr" presetSubtype="0" fill="hold" nodeType="clickEffect">
+                                  <p:stCondLst>
+                                    <p:cond delay="0"/>
+                                  </p:stCondLst>
+                                  <p:childTnLst>
+                                    <p:set>
+                                      <p:cBhvr>
+                                        <p:cTn id="44" dur="1" fill="hold">
+                                          <p:stCondLst>
+                                            <p:cond delay="0"/>
+                                          </p:stCondLst>
+                                        </p:cTn>
+                                        <p:tgtEl>
+                                          <p:spTgt spid="25"/>
+                                        </p:tgtEl>
+                                        <p:attrNameLst>
+                                          <p:attrName>style.visibility</p:attrName>
+                                        </p:attrNameLst>
+                                      </p:cBhvr>
+                                      <p:to>
+                                        <p:strVal val="visible"/>
+                                      </p:to>
+                                    </p:set>
+                                    <p:animEffect transition="in" filter="fade">
+                                      <p:cBhvr>
+                                        <p:cTn id="45" dur="500"/>
+                                        <p:tgtEl>
+                                          <p:spTgt spid="25"/>
+                                        </p:tgtEl>
+                                      </p:cBhvr>
+                                    </p:animEffect>
+                                  </p:childTnLst>
+                                </p:cTn>
+                              </p:par>
+                            </p:childTnLst>
+                          </p:cTn>
+                        </p:par>
+                      </p:childTnLst>
+                    </p:cTn>
+                  </p:par>
+                  <p:par>
+                    <p:cTn id="46" fill="hold">
+                      <p:stCondLst>
+                        <p:cond delay="indefinite"/>
+                      </p:stCondLst>
+                      <p:childTnLst>
+                        <p:par>
+                          <p:cTn id="47" fill="hold">
+                            <p:stCondLst>
+                              <p:cond delay="0"/>
+                            </p:stCondLst>
+                            <p:childTnLst>
+                              <p:par>
+                                <p:cTn id="48" presetID="2" presetClass="entr" presetSubtype="4" fill="hold" nodeType="clickEffect">
+                                  <p:stCondLst>
+                                    <p:cond delay="0"/>
+                                  </p:stCondLst>
+                                  <p:childTnLst>
+                                    <p:set>
+                                      <p:cBhvr>
+                                        <p:cTn id="49" dur="1" fill="hold">
+                                          <p:stCondLst>
+                                            <p:cond delay="0"/>
+                                          </p:stCondLst>
+                                        </p:cTn>
+                                        <p:tgtEl>
+                                          <p:spTgt spid="15"/>
+                                        </p:tgtEl>
+                                        <p:attrNameLst>
+                                          <p:attrName>style.visibility</p:attrName>
+                                        </p:attrNameLst>
+                                      </p:cBhvr>
+                                      <p:to>
+                                        <p:strVal val="visible"/>
+                                      </p:to>
+                                    </p:set>
+                                    <p:anim calcmode="lin" valueType="num">
+                                      <p:cBhvr additive="base">
+                                        <p:cTn id="50" dur="500" fill="hold"/>
+                                        <p:tgtEl>
+                                          <p:spTgt spid="15"/>
+                                        </p:tgtEl>
+                                        <p:attrNameLst>
+                                          <p:attrName>ppt_x</p:attrName>
+                                        </p:attrNameLst>
+                                      </p:cBhvr>
+                                      <p:tavLst>
+                                        <p:tav tm="0">
+                                          <p:val>
+                                            <p:strVal val="#ppt_x"/>
+                                          </p:val>
+                                        </p:tav>
+                                        <p:tav tm="100000">
+                                          <p:val>
+                                            <p:strVal val="#ppt_x"/>
+                                          </p:val>
+                                        </p:tav>
+                                      </p:tavLst>
+                                    </p:anim>
+                                    <p:anim calcmode="lin" valueType="num">
+                                      <p:cBhvr additive="base">
+                                        <p:cTn id="51" dur="500" fill="hold"/>
+                                        <p:tgtEl>
+                                          <p:spTgt spid="15"/>
+                                        </p:tgtEl>
+                                        <p:attrNameLst>
+                                          <p:attrName>ppt_y</p:attrName>
+                                        </p:attrNameLst>
+                                      </p:cBhvr>
+                                      <p:tavLst>
+                                        <p:tav tm="0">
+                                          <p:val>
+                                            <p:strVal val="1+#ppt_h/2"/>
+                                          </p:val>
+                                        </p:tav>
+                                        <p:tav tm="100000">
+                                          <p:val>
+                                            <p:strVal val="#ppt_y"/>
+                                          </p:val>
+                                        </p:tav>
+                                      </p:tavLst>
+                                    </p:anim>
+                                  </p:childTnLst>
+                                </p:cTn>
+                              </p:par>
+                              <p:par>
+                                <p:cTn id="52" presetID="2" presetClass="entr" presetSubtype="4" fill="hold" nodeType="withEffect">
+                                  <p:stCondLst>
+                                    <p:cond delay="0"/>
+                                  </p:stCondLst>
+                                  <p:childTnLst>
+                                    <p:set>
+                                      <p:cBhvr>
+                                        <p:cTn id="53" dur="1" fill="hold">
+                                          <p:stCondLst>
+                                            <p:cond delay="0"/>
+                                          </p:stCondLst>
+                                        </p:cTn>
+                                        <p:tgtEl>
+                                          <p:spTgt spid="16"/>
+                                        </p:tgtEl>
+                                        <p:attrNameLst>
+                                          <p:attrName>style.visibility</p:attrName>
+                                        </p:attrNameLst>
+                                      </p:cBhvr>
+                                      <p:to>
+                                        <p:strVal val="visible"/>
+                                      </p:to>
+                                    </p:set>
+                                    <p:anim calcmode="lin" valueType="num">
+                                      <p:cBhvr additive="base">
+                                        <p:cTn id="54" dur="500" fill="hold"/>
+                                        <p:tgtEl>
+                                          <p:spTgt spid="16"/>
+                                        </p:tgtEl>
+                                        <p:attrNameLst>
+                                          <p:attrName>ppt_x</p:attrName>
+                                        </p:attrNameLst>
+                                      </p:cBhvr>
+                                      <p:tavLst>
+                                        <p:tav tm="0">
+                                          <p:val>
+                                            <p:strVal val="#ppt_x"/>
+                                          </p:val>
+                                        </p:tav>
+                                        <p:tav tm="100000">
+                                          <p:val>
+                                            <p:strVal val="#ppt_x"/>
+                                          </p:val>
+                                        </p:tav>
+                                      </p:tavLst>
+                                    </p:anim>
+                                    <p:anim calcmode="lin" valueType="num">
+                                      <p:cBhvr additive="base">
+                                        <p:cTn id="55" dur="500" fill="hold"/>
+                                        <p:tgtEl>
+                                          <p:spTgt spid="16"/>
+                                        </p:tgtEl>
+                                        <p:attrNameLst>
+                                          <p:attrName>ppt_y</p:attrName>
+                                        </p:attrNameLst>
+                                      </p:cBhvr>
+                                      <p:tavLst>
+                                        <p:tav tm="0">
+                                          <p:val>
+                                            <p:strVal val="1+#ppt_h/2"/>
+                                          </p:val>
+                                        </p:tav>
+                                        <p:tav tm="100000">
+                                          <p:val>
+                                            <p:strVal val="#ppt_y"/>
+                                          </p:val>
+                                        </p:tav>
+                                      </p:tavLst>
+                                    </p:anim>
+                                  </p:childTnLst>
+                                </p:cTn>
+                              </p:par>
+                              <p:par>
+                                <p:cTn id="56" presetID="2" presetClass="entr" presetSubtype="4" fill="hold" grpId="0" nodeType="withEffect">
+                                  <p:stCondLst>
+                                    <p:cond delay="0"/>
+                                  </p:stCondLst>
+                                  <p:childTnLst>
+                                    <p:set>
+                                      <p:cBhvr>
+                                        <p:cTn id="57" dur="1" fill="hold">
+                                          <p:stCondLst>
+                                            <p:cond delay="0"/>
+                                          </p:stCondLst>
+                                        </p:cTn>
+                                        <p:tgtEl>
+                                          <p:spTgt spid="18"/>
+                                        </p:tgtEl>
+                                        <p:attrNameLst>
+                                          <p:attrName>style.visibility</p:attrName>
+                                        </p:attrNameLst>
+                                      </p:cBhvr>
+                                      <p:to>
+                                        <p:strVal val="visible"/>
+                                      </p:to>
+                                    </p:set>
+                                    <p:anim calcmode="lin" valueType="num">
+                                      <p:cBhvr additive="base">
+                                        <p:cTn id="58" dur="500" fill="hold"/>
+                                        <p:tgtEl>
+                                          <p:spTgt spid="18"/>
+                                        </p:tgtEl>
+                                        <p:attrNameLst>
+                                          <p:attrName>ppt_x</p:attrName>
+                                        </p:attrNameLst>
+                                      </p:cBhvr>
+                                      <p:tavLst>
+                                        <p:tav tm="0">
+                                          <p:val>
+                                            <p:strVal val="#ppt_x"/>
+                                          </p:val>
+                                        </p:tav>
+                                        <p:tav tm="100000">
+                                          <p:val>
+                                            <p:strVal val="#ppt_x"/>
+                                          </p:val>
+                                        </p:tav>
+                                      </p:tavLst>
+                                    </p:anim>
+                                    <p:anim calcmode="lin" valueType="num">
+                                      <p:cBhvr additive="base">
+                                        <p:cTn id="59" dur="500" fill="hold"/>
+                                        <p:tgtEl>
+                                          <p:spTgt spid="18"/>
+                                        </p:tgtEl>
+                                        <p:attrNameLst>
+                                          <p:attrName>ppt_y</p:attrName>
+                                        </p:attrNameLst>
+                                      </p:cBhvr>
+                                      <p:tavLst>
+                                        <p:tav tm="0">
+                                          <p:val>
+                                            <p:strVal val="1+#ppt_h/2"/>
+                                          </p:val>
+                                        </p:tav>
+                                        <p:tav tm="100000">
+                                          <p:val>
+                                            <p:strVal val="#ppt_y"/>
+                                          </p:val>
+                                        </p:tav>
+                                      </p:tavLst>
+                                    </p:anim>
+                                  </p:childTnLst>
+                                </p:cTn>
+                              </p:par>
+                              <p:par>
+                                <p:cTn id="60" presetID="2" presetClass="entr" presetSubtype="4" fill="hold" grpId="0" nodeType="withEffect">
+                                  <p:stCondLst>
+                                    <p:cond delay="0"/>
+                                  </p:stCondLst>
+                                  <p:childTnLst>
+                                    <p:set>
+                                      <p:cBhvr>
+                                        <p:cTn id="61" dur="1" fill="hold">
+                                          <p:stCondLst>
+                                            <p:cond delay="0"/>
+                                          </p:stCondLst>
+                                        </p:cTn>
+                                        <p:tgtEl>
+                                          <p:spTgt spid="19"/>
+                                        </p:tgtEl>
+                                        <p:attrNameLst>
+                                          <p:attrName>style.visibility</p:attrName>
+                                        </p:attrNameLst>
+                                      </p:cBhvr>
+                                      <p:to>
+                                        <p:strVal val="visible"/>
+                                      </p:to>
+                                    </p:set>
+                                    <p:anim calcmode="lin" valueType="num">
+                                      <p:cBhvr additive="base">
+                                        <p:cTn id="62" dur="500" fill="hold"/>
+                                        <p:tgtEl>
+                                          <p:spTgt spid="19"/>
+                                        </p:tgtEl>
+                                        <p:attrNameLst>
+                                          <p:attrName>ppt_x</p:attrName>
+                                        </p:attrNameLst>
+                                      </p:cBhvr>
+                                      <p:tavLst>
+                                        <p:tav tm="0">
+                                          <p:val>
+                                            <p:strVal val="#ppt_x"/>
+                                          </p:val>
+                                        </p:tav>
+                                        <p:tav tm="100000">
+                                          <p:val>
+                                            <p:strVal val="#ppt_x"/>
+                                          </p:val>
+                                        </p:tav>
+                                      </p:tavLst>
+                                    </p:anim>
+                                    <p:anim calcmode="lin" valueType="num">
+                                      <p:cBhvr additive="base">
+                                        <p:cTn id="63" dur="500" fill="hold"/>
+                                        <p:tgtEl>
+                                          <p:spTgt spid="19"/>
+                                        </p:tgtEl>
+                                        <p:attrNameLst>
+                                          <p:attrName>ppt_y</p:attrName>
+                                        </p:attrNameLst>
+                                      </p:cBhvr>
+                                      <p:tavLst>
+                                        <p:tav tm="0">
+                                          <p:val>
+                                            <p:strVal val="1+#ppt_h/2"/>
+                                          </p:val>
+                                        </p:tav>
+                                        <p:tav tm="100000">
+                                          <p:val>
+                                            <p:strVal val="#ppt_y"/>
+                                          </p:val>
+                                        </p:tav>
+                                      </p:tavLst>
+                                    </p:anim>
+                                  </p:childTnLst>
+                                </p:cTn>
+                              </p:par>
+                              <p:par>
+                                <p:cTn id="64" presetID="2" presetClass="entr" presetSubtype="4" fill="hold" grpId="0" nodeType="withEffect">
+                                  <p:stCondLst>
+                                    <p:cond delay="0"/>
+                                  </p:stCondLst>
+                                  <p:childTnLst>
+                                    <p:set>
+                                      <p:cBhvr>
+                                        <p:cTn id="65" dur="1" fill="hold">
+                                          <p:stCondLst>
+                                            <p:cond delay="0"/>
+                                          </p:stCondLst>
+                                        </p:cTn>
+                                        <p:tgtEl>
+                                          <p:spTgt spid="20"/>
+                                        </p:tgtEl>
+                                        <p:attrNameLst>
+                                          <p:attrName>style.visibility</p:attrName>
+                                        </p:attrNameLst>
+                                      </p:cBhvr>
+                                      <p:to>
+                                        <p:strVal val="visible"/>
+                                      </p:to>
+                                    </p:set>
+                                    <p:anim calcmode="lin" valueType="num">
+                                      <p:cBhvr additive="base">
+                                        <p:cTn id="66" dur="500" fill="hold"/>
+                                        <p:tgtEl>
+                                          <p:spTgt spid="20"/>
+                                        </p:tgtEl>
+                                        <p:attrNameLst>
+                                          <p:attrName>ppt_x</p:attrName>
+                                        </p:attrNameLst>
+                                      </p:cBhvr>
+                                      <p:tavLst>
+                                        <p:tav tm="0">
+                                          <p:val>
+                                            <p:strVal val="#ppt_x"/>
+                                          </p:val>
+                                        </p:tav>
+                                        <p:tav tm="100000">
+                                          <p:val>
+                                            <p:strVal val="#ppt_x"/>
+                                          </p:val>
+                                        </p:tav>
+                                      </p:tavLst>
+                                    </p:anim>
+                                    <p:anim calcmode="lin" valueType="num">
+                                      <p:cBhvr additive="base">
+                                        <p:cTn id="67" dur="500" fill="hold"/>
+                                        <p:tgtEl>
+                                          <p:spTgt spid="20"/>
+                                        </p:tgtEl>
+                                        <p:attrNameLst>
+                                          <p:attrName>ppt_y</p:attrName>
+                                        </p:attrNameLst>
+                                      </p:cBhvr>
+                                      <p:tavLst>
+                                        <p:tav tm="0">
+                                          <p:val>
+                                            <p:strVal val="1+#ppt_h/2"/>
+                                          </p:val>
+                                        </p:tav>
+                                        <p:tav tm="100000">
+                                          <p:val>
+                                            <p:strVal val="#ppt_y"/>
+                                          </p:val>
+                                        </p:tav>
+                                      </p:tavLst>
+                                    </p:anim>
+                                  </p:childTnLst>
+                                </p:cTn>
+                              </p:par>
+                              <p:par>
+                                <p:cTn id="68" presetID="2" presetClass="entr" presetSubtype="4" fill="hold" grpId="0" nodeType="withEffect">
+                                  <p:stCondLst>
+                                    <p:cond delay="0"/>
+                                  </p:stCondLst>
+                                  <p:childTnLst>
+                                    <p:set>
+                                      <p:cBhvr>
+                                        <p:cTn id="69" dur="1" fill="hold">
+                                          <p:stCondLst>
+                                            <p:cond delay="0"/>
+                                          </p:stCondLst>
+                                        </p:cTn>
+                                        <p:tgtEl>
+                                          <p:spTgt spid="21"/>
+                                        </p:tgtEl>
+                                        <p:attrNameLst>
+                                          <p:attrName>style.visibility</p:attrName>
+                                        </p:attrNameLst>
+                                      </p:cBhvr>
+                                      <p:to>
+                                        <p:strVal val="visible"/>
+                                      </p:to>
+                                    </p:set>
+                                    <p:anim calcmode="lin" valueType="num">
+                                      <p:cBhvr additive="base">
+                                        <p:cTn id="70" dur="500" fill="hold"/>
+                                        <p:tgtEl>
+                                          <p:spTgt spid="21"/>
+                                        </p:tgtEl>
+                                        <p:attrNameLst>
+                                          <p:attrName>ppt_x</p:attrName>
+                                        </p:attrNameLst>
+                                      </p:cBhvr>
+                                      <p:tavLst>
+                                        <p:tav tm="0">
+                                          <p:val>
+                                            <p:strVal val="#ppt_x"/>
+                                          </p:val>
+                                        </p:tav>
+                                        <p:tav tm="100000">
+                                          <p:val>
+                                            <p:strVal val="#ppt_x"/>
+                                          </p:val>
+                                        </p:tav>
+                                      </p:tavLst>
+                                    </p:anim>
+                                    <p:anim calcmode="lin" valueType="num">
+                                      <p:cBhvr additive="base">
+                                        <p:cTn id="71" dur="500" fill="hold"/>
+                                        <p:tgtEl>
+                                          <p:spTgt spid="21"/>
+                                        </p:tgtEl>
+                                        <p:attrNameLst>
+                                          <p:attrName>ppt_y</p:attrName>
+                                        </p:attrNameLst>
+                                      </p:cBhvr>
+                                      <p:tavLst>
+                                        <p:tav tm="0">
+                                          <p:val>
+                                            <p:strVal val="1+#ppt_h/2"/>
+                                          </p:val>
+                                        </p:tav>
+                                        <p:tav tm="100000">
+                                          <p:val>
+                                            <p:strVal val="#ppt_y"/>
+                                          </p:val>
+                                        </p:tav>
+                                      </p:tavLst>
+                                    </p:anim>
+                                  </p:childTnLst>
+                                </p:cTn>
+                              </p:par>
+                              <p:par>
+                                <p:cTn id="72" presetID="2" presetClass="entr" presetSubtype="4" fill="hold" grpId="0" nodeType="withEffect">
+                                  <p:stCondLst>
+                                    <p:cond delay="0"/>
+                                  </p:stCondLst>
+                                  <p:childTnLst>
+                                    <p:set>
+                                      <p:cBhvr>
+                                        <p:cTn id="73" dur="1" fill="hold">
+                                          <p:stCondLst>
+                                            <p:cond delay="0"/>
+                                          </p:stCondLst>
+                                        </p:cTn>
+                                        <p:tgtEl>
+                                          <p:spTgt spid="22"/>
+                                        </p:tgtEl>
+                                        <p:attrNameLst>
+                                          <p:attrName>style.visibility</p:attrName>
+                                        </p:attrNameLst>
+                                      </p:cBhvr>
+                                      <p:to>
+                                        <p:strVal val="visible"/>
+                                      </p:to>
+                                    </p:set>
+                                    <p:anim calcmode="lin" valueType="num">
+                                      <p:cBhvr additive="base">
+                                        <p:cTn id="74" dur="500" fill="hold"/>
+                                        <p:tgtEl>
+                                          <p:spTgt spid="22"/>
+                                        </p:tgtEl>
+                                        <p:attrNameLst>
+                                          <p:attrName>ppt_x</p:attrName>
+                                        </p:attrNameLst>
+                                      </p:cBhvr>
+                                      <p:tavLst>
+                                        <p:tav tm="0">
+                                          <p:val>
+                                            <p:strVal val="#ppt_x"/>
+                                          </p:val>
+                                        </p:tav>
+                                        <p:tav tm="100000">
+                                          <p:val>
+                                            <p:strVal val="#ppt_x"/>
+                                          </p:val>
+                                        </p:tav>
+                                      </p:tavLst>
+                                    </p:anim>
+                                    <p:anim calcmode="lin" valueType="num">
+                                      <p:cBhvr additive="base">
+                                        <p:cTn id="75" dur="500" fill="hold"/>
+                                        <p:tgtEl>
+                                          <p:spTgt spid="22"/>
+                                        </p:tgtEl>
+                                        <p:attrNameLst>
+                                          <p:attrName>ppt_y</p:attrName>
+                                        </p:attrNameLst>
+                                      </p:cBhvr>
+                                      <p:tavLst>
+                                        <p:tav tm="0">
+                                          <p:val>
+                                            <p:strVal val="1+#ppt_h/2"/>
+                                          </p:val>
+                                        </p:tav>
+                                        <p:tav tm="100000">
+                                          <p:val>
+                                            <p:strVal val="#ppt_y"/>
+                                          </p:val>
+                                        </p:tav>
+                                      </p:tavLst>
+                                    </p:anim>
+                                  </p:childTnLst>
+                                </p:cTn>
+                              </p:par>
+                              <p:par>
+                                <p:cTn id="76" presetID="2" presetClass="entr" presetSubtype="4" fill="hold" grpId="0" nodeType="withEffect">
+                                  <p:stCondLst>
+                                    <p:cond delay="0"/>
+                                  </p:stCondLst>
+                                  <p:childTnLst>
+                                    <p:set>
+                                      <p:cBhvr>
+                                        <p:cTn id="77" dur="1" fill="hold">
+                                          <p:stCondLst>
+                                            <p:cond delay="0"/>
+                                          </p:stCondLst>
+                                        </p:cTn>
+                                        <p:tgtEl>
+                                          <p:spTgt spid="23"/>
+                                        </p:tgtEl>
+                                        <p:attrNameLst>
+                                          <p:attrName>style.visibility</p:attrName>
+                                        </p:attrNameLst>
+                                      </p:cBhvr>
+                                      <p:to>
+                                        <p:strVal val="visible"/>
+                                      </p:to>
+                                    </p:set>
+                                    <p:anim calcmode="lin" valueType="num">
+                                      <p:cBhvr additive="base">
+                                        <p:cTn id="78" dur="500" fill="hold"/>
+                                        <p:tgtEl>
+                                          <p:spTgt spid="23"/>
+                                        </p:tgtEl>
+                                        <p:attrNameLst>
+                                          <p:attrName>ppt_x</p:attrName>
+                                        </p:attrNameLst>
+                                      </p:cBhvr>
+                                      <p:tavLst>
+                                        <p:tav tm="0">
+                                          <p:val>
+                                            <p:strVal val="#ppt_x"/>
+                                          </p:val>
+                                        </p:tav>
+                                        <p:tav tm="100000">
+                                          <p:val>
+                                            <p:strVal val="#ppt_x"/>
+                                          </p:val>
+                                        </p:tav>
+                                      </p:tavLst>
+                                    </p:anim>
+                                    <p:anim calcmode="lin" valueType="num">
+                                      <p:cBhvr additive="base">
+                                        <p:cTn id="79" dur="500" fill="hold"/>
+                                        <p:tgtEl>
+                                          <p:spTgt spid="23"/>
+                                        </p:tgtEl>
+                                        <p:attrNameLst>
+                                          <p:attrName>ppt_y</p:attrName>
+                                        </p:attrNameLst>
+                                      </p:cBhvr>
+                                      <p:tavLst>
+                                        <p:tav tm="0">
+                                          <p:val>
+                                            <p:strVal val="1+#ppt_h/2"/>
+                                          </p:val>
+                                        </p:tav>
+                                        <p:tav tm="100000">
+                                          <p:val>
+                                            <p:strVal val="#ppt_y"/>
+                                          </p:val>
+                                        </p:tav>
+                                      </p:tavLst>
+                                    </p:anim>
+                                  </p:childTnLst>
+                                </p:cTn>
+                              </p:par>
+                              <p:par>
+                                <p:cTn id="80" presetID="2" presetClass="entr" presetSubtype="4" fill="hold" grpId="0" nodeType="withEffect">
+                                  <p:stCondLst>
+                                    <p:cond delay="0"/>
+                                  </p:stCondLst>
+                                  <p:childTnLst>
+                                    <p:set>
+                                      <p:cBhvr>
+                                        <p:cTn id="81" dur="1" fill="hold">
+                                          <p:stCondLst>
+                                            <p:cond delay="0"/>
+                                          </p:stCondLst>
+                                        </p:cTn>
+                                        <p:tgtEl>
+                                          <p:spTgt spid="17"/>
+                                        </p:tgtEl>
+                                        <p:attrNameLst>
+                                          <p:attrName>style.visibility</p:attrName>
+                                        </p:attrNameLst>
+                                      </p:cBhvr>
+                                      <p:to>
+                                        <p:strVal val="visible"/>
+                                      </p:to>
+                                    </p:set>
+                                    <p:anim calcmode="lin" valueType="num">
+                                      <p:cBhvr additive="base">
+                                        <p:cTn id="82" dur="500" fill="hold"/>
+                                        <p:tgtEl>
+                                          <p:spTgt spid="17"/>
+                                        </p:tgtEl>
+                                        <p:attrNameLst>
+                                          <p:attrName>ppt_x</p:attrName>
+                                        </p:attrNameLst>
+                                      </p:cBhvr>
+                                      <p:tavLst>
+                                        <p:tav tm="0">
+                                          <p:val>
+                                            <p:strVal val="#ppt_x"/>
+                                          </p:val>
+                                        </p:tav>
+                                        <p:tav tm="100000">
+                                          <p:val>
+                                            <p:strVal val="#ppt_x"/>
+                                          </p:val>
+                                        </p:tav>
+                                      </p:tavLst>
+                                    </p:anim>
+                                    <p:anim calcmode="lin" valueType="num">
+                                      <p:cBhvr additive="base">
+                                        <p:cTn id="83" dur="500" fill="hold"/>
+                                        <p:tgtEl>
+                                          <p:spTgt spid="17"/>
+                                        </p:tgtEl>
+                                        <p:attrNameLst>
+                                          <p:attrName>ppt_y</p:attrName>
+                                        </p:attrNameLst>
+                                      </p:cBhvr>
+                                      <p:tavLst>
+                                        <p:tav tm="0">
+                                          <p:val>
+                                            <p:strVal val="1+#ppt_h/2"/>
+                                          </p:val>
+                                        </p:tav>
+                                        <p:tav tm="100000">
+                                          <p:val>
+                                            <p:strVal val="#ppt_y"/>
+                                          </p:val>
+                                        </p:tav>
+                                      </p:tavLst>
+                                    </p:anim>
+                                  </p:childTnLst>
+                                </p:cTn>
+                              </p:par>
+                            </p:childTnLst>
+                          </p:cTn>
+                        </p:par>
+                      </p:childTnLst>
+                    </p:cTn>
+                  </p:par>
+                  <p:par>
+                    <p:cTn id="84" fill="hold">
+                      <p:stCondLst>
+                        <p:cond delay="indefinite"/>
+                      </p:stCondLst>
+                      <p:childTnLst>
+                        <p:par>
+                          <p:cTn id="85" fill="hold">
+                            <p:stCondLst>
+                              <p:cond delay="0"/>
+                            </p:stCondLst>
+                            <p:childTnLst>
+                              <p:par>
+                                <p:cTn id="86" presetID="22" presetClass="entr" presetSubtype="4" fill="hold" nodeType="clickEffect">
+                                  <p:stCondLst>
+                                    <p:cond delay="0"/>
+                                  </p:stCondLst>
+                                  <p:childTnLst>
+                                    <p:set>
+                                      <p:cBhvr>
+                                        <p:cTn id="87" dur="1" fill="hold">
+                                          <p:stCondLst>
+                                            <p:cond delay="0"/>
+                                          </p:stCondLst>
+                                        </p:cTn>
+                                        <p:tgtEl>
+                                          <p:spTgt spid="34"/>
+                                        </p:tgtEl>
+                                        <p:attrNameLst>
+                                          <p:attrName>style.visibility</p:attrName>
+                                        </p:attrNameLst>
+                                      </p:cBhvr>
+                                      <p:to>
+                                        <p:strVal val="visible"/>
+                                      </p:to>
+                                    </p:set>
+                                    <p:animEffect transition="in" filter="wipe(down)">
+                                      <p:cBhvr>
+                                        <p:cTn id="88" dur="500"/>
+                                        <p:tgtEl>
+                                          <p:spTgt spid="34"/>
+                                        </p:tgtEl>
+                                      </p:cBhvr>
+                                    </p:animEffect>
+                                  </p:childTnLst>
+                                </p:cTn>
+                              </p:par>
+                            </p:childTnLst>
+                          </p:cTn>
+                        </p:par>
+                      </p:childTnLst>
+                    </p:cTn>
+                  </p:par>
+                  <p:par>
+                    <p:cTn id="89" fill="hold">
+                      <p:stCondLst>
+                        <p:cond delay="indefinite"/>
+                      </p:stCondLst>
+                      <p:childTnLst>
+                        <p:par>
+                          <p:cTn id="90" fill="hold">
+                            <p:stCondLst>
+                              <p:cond delay="0"/>
+                            </p:stCondLst>
+                            <p:childTnLst>
+                              <p:par>
+                                <p:cTn id="91" presetID="22" presetClass="entr" presetSubtype="4" fill="hold" nodeType="clickEffect">
+                                  <p:stCondLst>
+                                    <p:cond delay="0"/>
+                                  </p:stCondLst>
+                                  <p:childTnLst>
+                                    <p:set>
+                                      <p:cBhvr>
+                                        <p:cTn id="92" dur="1" fill="hold">
+                                          <p:stCondLst>
+                                            <p:cond delay="0"/>
+                                          </p:stCondLst>
+                                        </p:cTn>
+                                        <p:tgtEl>
+                                          <p:spTgt spid="26"/>
+                                        </p:tgtEl>
+                                        <p:attrNameLst>
+                                          <p:attrName>style.visibility</p:attrName>
+                                        </p:attrNameLst>
+                                      </p:cBhvr>
+                                      <p:to>
+                                        <p:strVal val="visible"/>
+                                      </p:to>
+                                    </p:set>
+                                    <p:animEffect transition="in" filter="wipe(down)">
+                                      <p:cBhvr>
+                                        <p:cTn id="93" dur="500"/>
+                                        <p:tgtEl>
+                                          <p:spTgt spid="26"/>
+                                        </p:tgtEl>
+                                      </p:cBhvr>
+                                    </p:animEffect>
+                                  </p:childTnLst>
+                                </p:cTn>
+                              </p:par>
+                            </p:childTnLst>
+                          </p:cTn>
+                        </p:par>
+                      </p:childTnLst>
+                    </p:cTn>
+                  </p:par>
+                  <p:par>
+                    <p:cTn id="94" fill="hold">
+                      <p:stCondLst>
+                        <p:cond delay="indefinite"/>
+                      </p:stCondLst>
+                      <p:childTnLst>
+                        <p:par>
+                          <p:cTn id="95" fill="hold">
+                            <p:stCondLst>
+                              <p:cond delay="0"/>
+                            </p:stCondLst>
+                            <p:childTnLst>
+                              <p:par>
+                                <p:cTn id="96" presetID="22" presetClass="entr" presetSubtype="4" fill="hold" nodeType="clickEffect">
+                                  <p:stCondLst>
+                                    <p:cond delay="0"/>
+                                  </p:stCondLst>
+                                  <p:childTnLst>
+                                    <p:set>
+                                      <p:cBhvr>
+                                        <p:cTn id="97" dur="1" fill="hold">
+                                          <p:stCondLst>
+                                            <p:cond delay="0"/>
+                                          </p:stCondLst>
+                                        </p:cTn>
+                                        <p:tgtEl>
+                                          <p:spTgt spid="31"/>
+                                        </p:tgtEl>
+                                        <p:attrNameLst>
+                                          <p:attrName>style.visibility</p:attrName>
+                                        </p:attrNameLst>
+                                      </p:cBhvr>
+                                      <p:to>
+                                        <p:strVal val="visible"/>
+                                      </p:to>
+                                    </p:set>
+                                    <p:animEffect transition="in" filter="wipe(down)">
+                                      <p:cBhvr>
+                                        <p:cTn id="98" dur="500"/>
+                                        <p:tgtEl>
+                                          <p:spTgt spid="31"/>
+                                        </p:tgtEl>
+                                      </p:cBhvr>
+                                    </p:animEffect>
+                                  </p:childTnLst>
+                                </p:cTn>
+                              </p:par>
+                            </p:childTnLst>
+                          </p:cTn>
+                        </p:par>
+                      </p:childTnLst>
+                    </p:cTn>
+                  </p:par>
+                  <p:par>
+                    <p:cTn id="99" fill="hold">
+                      <p:stCondLst>
+                        <p:cond delay="indefinite"/>
+                      </p:stCondLst>
+                      <p:childTnLst>
+                        <p:par>
+                          <p:cTn id="100" fill="hold">
+                            <p:stCondLst>
+                              <p:cond delay="0"/>
+                            </p:stCondLst>
+                            <p:childTnLst>
+                              <p:par>
+                                <p:cTn id="101" presetID="53" presetClass="entr" presetSubtype="16" fill="hold" grpId="0" nodeType="clickEffect">
+                                  <p:stCondLst>
+                                    <p:cond delay="0"/>
+                                  </p:stCondLst>
+                                  <p:childTnLst>
+                                    <p:set>
+                                      <p:cBhvr>
+                                        <p:cTn id="102" dur="1" fill="hold">
+                                          <p:stCondLst>
+                                            <p:cond delay="0"/>
+                                          </p:stCondLst>
+                                        </p:cTn>
+                                        <p:tgtEl>
+                                          <p:spTgt spid="30"/>
+                                        </p:tgtEl>
+                                        <p:attrNameLst>
+                                          <p:attrName>style.visibility</p:attrName>
+                                        </p:attrNameLst>
+                                      </p:cBhvr>
+                                      <p:to>
+                                        <p:strVal val="visible"/>
+                                      </p:to>
+                                    </p:set>
+                                    <p:anim calcmode="lin" valueType="num">
+                                      <p:cBhvr>
+                                        <p:cTn id="103" dur="500" fill="hold"/>
+                                        <p:tgtEl>
+                                          <p:spTgt spid="30"/>
+                                        </p:tgtEl>
+                                        <p:attrNameLst>
+                                          <p:attrName>ppt_w</p:attrName>
+                                        </p:attrNameLst>
+                                      </p:cBhvr>
+                                      <p:tavLst>
+                                        <p:tav tm="0">
+                                          <p:val>
+                                            <p:fltVal val="0"/>
+                                          </p:val>
+                                        </p:tav>
+                                        <p:tav tm="100000">
+                                          <p:val>
+                                            <p:strVal val="#ppt_w"/>
+                                          </p:val>
+                                        </p:tav>
+                                      </p:tavLst>
+                                    </p:anim>
+                                    <p:anim calcmode="lin" valueType="num">
+                                      <p:cBhvr>
+                                        <p:cTn id="104" dur="500" fill="hold"/>
+                                        <p:tgtEl>
+                                          <p:spTgt spid="30"/>
+                                        </p:tgtEl>
+                                        <p:attrNameLst>
+                                          <p:attrName>ppt_h</p:attrName>
+                                        </p:attrNameLst>
+                                      </p:cBhvr>
+                                      <p:tavLst>
+                                        <p:tav tm="0">
+                                          <p:val>
+                                            <p:fltVal val="0"/>
+                                          </p:val>
+                                        </p:tav>
+                                        <p:tav tm="100000">
+                                          <p:val>
+                                            <p:strVal val="#ppt_h"/>
+                                          </p:val>
+                                        </p:tav>
+                                      </p:tavLst>
+                                    </p:anim>
+                                    <p:animEffect transition="in" filter="fade">
+                                      <p:cBhvr>
+                                        <p:cTn id="105" dur="500"/>
+                                        <p:tgtEl>
+                                          <p:spTgt spid="30"/>
+                                        </p:tgtEl>
+                                      </p:cBhvr>
+                                    </p:animEffect>
+                                  </p:childTnLst>
+                                </p:cTn>
+                              </p:par>
+                            </p:childTnLst>
+                          </p:cTn>
+                        </p:par>
+                      </p:childTnLst>
+                    </p:cTn>
+                  </p:par>
+                  <p:par>
+                    <p:cTn id="106" fill="hold">
+                      <p:stCondLst>
+                        <p:cond delay="indefinite"/>
+                      </p:stCondLst>
+                      <p:childTnLst>
+                        <p:par>
+                          <p:cTn id="107" fill="hold">
+                            <p:stCondLst>
+                              <p:cond delay="0"/>
+                            </p:stCondLst>
+                            <p:childTnLst>
+                              <p:par>
+                                <p:cTn id="108" presetID="1" presetClass="exit" presetSubtype="0" fill="hold" nodeType="clickEffect">
+                                  <p:stCondLst>
+                                    <p:cond delay="0"/>
+                                  </p:stCondLst>
+                                  <p:childTnLst>
+                                    <p:set>
+                                      <p:cBhvr>
+                                        <p:cTn id="109" dur="1" fill="hold">
+                                          <p:stCondLst>
+                                            <p:cond delay="0"/>
+                                          </p:stCondLst>
+                                        </p:cTn>
+                                        <p:tgtEl>
+                                          <p:spTgt spid="34"/>
+                                        </p:tgtEl>
+                                        <p:attrNameLst>
+                                          <p:attrName>style.visibility</p:attrName>
+                                        </p:attrNameLst>
+                                      </p:cBhvr>
+                                      <p:to>
+                                        <p:strVal val="hidden"/>
+                                      </p:to>
+                                    </p:set>
+                                  </p:childTnLst>
+                                </p:cTn>
+                              </p:par>
+                              <p:par>
+                                <p:cTn id="110" presetID="1" presetClass="exit" presetSubtype="0" fill="hold" nodeType="withEffect">
+                                  <p:stCondLst>
+                                    <p:cond delay="0"/>
+                                  </p:stCondLst>
+                                  <p:childTnLst>
+                                    <p:set>
+                                      <p:cBhvr>
+                                        <p:cTn id="111" dur="1" fill="hold">
+                                          <p:stCondLst>
+                                            <p:cond delay="0"/>
+                                          </p:stCondLst>
+                                        </p:cTn>
+                                        <p:tgtEl>
+                                          <p:spTgt spid="26"/>
+                                        </p:tgtEl>
+                                        <p:attrNameLst>
+                                          <p:attrName>style.visibility</p:attrName>
+                                        </p:attrNameLst>
+                                      </p:cBhvr>
+                                      <p:to>
+                                        <p:strVal val="hidden"/>
+                                      </p:to>
+                                    </p:set>
+                                  </p:childTnLst>
+                                </p:cTn>
+                              </p:par>
+                              <p:par>
+                                <p:cTn id="112" presetID="1" presetClass="exit" presetSubtype="0" fill="hold" nodeType="withEffect">
+                                  <p:stCondLst>
+                                    <p:cond delay="0"/>
+                                  </p:stCondLst>
+                                  <p:childTnLst>
+                                    <p:set>
+                                      <p:cBhvr>
+                                        <p:cTn id="113" dur="1" fill="hold">
+                                          <p:stCondLst>
+                                            <p:cond delay="0"/>
+                                          </p:stCondLst>
+                                        </p:cTn>
+                                        <p:tgtEl>
+                                          <p:spTgt spid="31"/>
+                                        </p:tgtEl>
+                                        <p:attrNameLst>
+                                          <p:attrName>style.visibility</p:attrName>
+                                        </p:attrNameLst>
+                                      </p:cBhvr>
+                                      <p:to>
+                                        <p:strVal val="hidden"/>
+                                      </p:to>
+                                    </p:set>
+                                  </p:childTnLst>
+                                </p:cTn>
+                              </p:par>
+                              <p:par>
+                                <p:cTn id="114" presetID="1" presetClass="exit" presetSubtype="0" fill="hold" grpId="1" nodeType="withEffect">
+                                  <p:stCondLst>
+                                    <p:cond delay="0"/>
+                                  </p:stCondLst>
+                                  <p:childTnLst>
+                                    <p:set>
+                                      <p:cBhvr>
+                                        <p:cTn id="115" dur="1" fill="hold">
+                                          <p:stCondLst>
+                                            <p:cond delay="0"/>
+                                          </p:stCondLst>
+                                        </p:cTn>
+                                        <p:tgtEl>
+                                          <p:spTgt spid="30"/>
+                                        </p:tgtEl>
+                                        <p:attrNameLst>
+                                          <p:attrName>style.visibility</p:attrName>
+                                        </p:attrNameLst>
+                                      </p:cBhvr>
+                                      <p:to>
+                                        <p:strVal val="hidden"/>
+                                      </p:to>
+                                    </p:set>
+                                  </p:childTnLst>
+                                </p:cTn>
+                              </p:par>
+                            </p:childTnLst>
+                          </p:cTn>
+                        </p:par>
+                      </p:childTnLst>
+                    </p:cTn>
+                  </p:par>
+                  <p:par>
+                    <p:cTn id="116" fill="hold">
+                      <p:stCondLst>
+                        <p:cond delay="indefinite"/>
+                      </p:stCondLst>
+                      <p:childTnLst>
+                        <p:par>
+                          <p:cTn id="117" fill="hold">
+                            <p:stCondLst>
+                              <p:cond delay="0"/>
+                            </p:stCondLst>
+                            <p:childTnLst>
+                              <p:par>
+                                <p:cTn id="118" presetID="10" presetClass="entr" presetSubtype="0" fill="hold" grpId="0" nodeType="clickEffect">
+                                  <p:stCondLst>
+                                    <p:cond delay="0"/>
+                                  </p:stCondLst>
+                                  <p:childTnLst>
+                                    <p:set>
+                                      <p:cBhvr>
+                                        <p:cTn id="119" dur="1" fill="hold">
+                                          <p:stCondLst>
+                                            <p:cond delay="0"/>
+                                          </p:stCondLst>
+                                        </p:cTn>
+                                        <p:tgtEl>
+                                          <p:spTgt spid="42"/>
+                                        </p:tgtEl>
+                                        <p:attrNameLst>
+                                          <p:attrName>style.visibility</p:attrName>
+                                        </p:attrNameLst>
+                                      </p:cBhvr>
+                                      <p:to>
+                                        <p:strVal val="visible"/>
+                                      </p:to>
+                                    </p:set>
+                                    <p:animEffect transition="in" filter="fade">
+                                      <p:cBhvr>
+                                        <p:cTn id="120" dur="500"/>
+                                        <p:tgtEl>
+                                          <p:spTgt spid="42"/>
+                                        </p:tgtEl>
+                                      </p:cBhvr>
+                                    </p:animEffect>
+                                  </p:childTnLst>
+                                </p:cTn>
+                              </p:par>
+                            </p:childTnLst>
+                          </p:cTn>
+                        </p:par>
+                      </p:childTnLst>
+                    </p:cTn>
+                  </p:par>
+                </p:childTnLst>
+              </p:cTn>
+              <p:prevCondLst>
+                <p:cond evt="onPrev" delay="0">
+                  <p:tgtEl>
+                    <p:sldTgt/>
+                  </p:tgtEl>
+                </p:cond>
+              </p:prevCondLst>
+              <p:nextCondLst>
+                <p:cond evt="onNext" delay="0">
+                  <p:tgtEl>
+                    <p:sldTgt/>
+                  </p:tgtEl>
+                </p:cond>
+              </p:nextCondLst>
+            </p:seq>
+          </p:childTnLst>
+        </p:cTn>
       </p:par>
     </p:tnLst>
+    <p:bldLst>
+      <p:bldP spid="8" grpId="0"/>
+      <p:bldP spid="9" grpId="0"/>
+      <p:bldP spid="10" grpId="0" animBg="1"/>
+      <p:bldP spid="11" grpId="0" animBg="1"/>
+      <p:bldP spid="12" grpId="0" animBg="1"/>
+      <p:bldP spid="13" grpId="0" animBg="1"/>
+      <p:bldP spid="14" grpId="0"/>
+      <p:bldP spid="17" grpId="0"/>
+      <p:bldP spid="18" grpId="0"/>
+      <p:bldP spid="19" grpId="0" animBg="1"/>
+      <p:bldP spid="20" grpId="0" animBg="1"/>
+      <p:bldP spid="21" grpId="0" animBg="1"/>
+      <p:bldP spid="22" grpId="0" animBg="1"/>
+      <p:bldP spid="23" grpId="0"/>
+      <p:bldP spid="30" grpId="0" animBg="1"/>
+      <p:bldP spid="30" grpId="1" animBg="1"/>
+      <p:bldP spid="42" grpId="0" animBg="1"/>
+    </p:bldLst>
   </p:timing>
 </p:sld>
 </file>
